--- a/EduWiz.pptx
+++ b/EduWiz.pptx
@@ -5,7 +5,7 @@
     <p:sldMasterId id="2147483648" r:id="rId1"/>
   </p:sldMasterIdLst>
   <p:notesMasterIdLst>
-    <p:notesMasterId r:id="rId9"/>
+    <p:notesMasterId r:id="rId10"/>
   </p:notesMasterIdLst>
   <p:sldIdLst>
     <p:sldId id="256" r:id="rId2"/>
@@ -13,8 +13,9 @@
     <p:sldId id="267" r:id="rId4"/>
     <p:sldId id="280" r:id="rId5"/>
     <p:sldId id="270" r:id="rId6"/>
-    <p:sldId id="268" r:id="rId7"/>
-    <p:sldId id="269" r:id="rId8"/>
+    <p:sldId id="282" r:id="rId7"/>
+    <p:sldId id="268" r:id="rId8"/>
+    <p:sldId id="269" r:id="rId9"/>
   </p:sldIdLst>
   <p:sldSz cx="19010313" cy="10693400"/>
   <p:notesSz cx="7556500" cy="10693400"/>
@@ -133,6 +134,14 @@
     </p:ext>
   </p:extLst>
 </p:presentation>
+</file>
+
+<file path=ppt/revisionInfo.xml><?xml version="1.0" encoding="utf-8"?>
+<p1510:revInfo xmlns:a="http://schemas.openxmlformats.org/drawingml/2006/main" xmlns:r="http://schemas.openxmlformats.org/officeDocument/2006/relationships" xmlns:p1510="http://schemas.microsoft.com/office/powerpoint/2015/10/main">
+  <p1510:revLst>
+    <p1510:client id="{475B0C9B-0507-46EA-A92E-65E43D859C9E}" v="7" dt="2020-04-01T17:25:52.246"/>
+  </p1510:revLst>
+</p1510:revInfo>
 </file>
 
 <file path=ppt/diagrams/colors1.xml><?xml version="1.0" encoding="utf-8"?>
@@ -5148,7 +5157,7 @@
           <a:p>
             <a:fld id="{A2BF3456-A29E-41FE-BFB7-B24F24BEE47B}" type="datetimeFigureOut">
               <a:rPr lang="cs-CZ" smtClean="0"/>
-              <a:t>31.03.2020</a:t>
+              <a:t>01.04.2020</a:t>
             </a:fld>
             <a:endParaRPr lang="cs-CZ"/>
           </a:p>
@@ -5901,7 +5910,7 @@
           <a:p>
             <a:fld id="{DD95B543-0236-4AEE-9F15-C7CF1150485F}" type="slidenum">
               <a:rPr lang="cs-CZ" smtClean="0"/>
-              <a:t>6</a:t>
+              <a:t>7</a:t>
             </a:fld>
             <a:endParaRPr lang="cs-CZ"/>
           </a:p>
@@ -5985,7 +5994,7 @@
           <a:p>
             <a:fld id="{DD95B543-0236-4AEE-9F15-C7CF1150485F}" type="slidenum">
               <a:rPr lang="cs-CZ" smtClean="0"/>
-              <a:t>7</a:t>
+              <a:t>8</a:t>
             </a:fld>
             <a:endParaRPr lang="cs-CZ"/>
           </a:p>
@@ -6151,7 +6160,7 @@
           <a:p>
             <a:fld id="{1D8BD707-D9CF-40AE-B4C6-C98DA3205C09}" type="datetimeFigureOut">
               <a:rPr lang="en-US"/>
-              <a:t>3/31/2020</a:t>
+              <a:t>4/1/2020</a:t>
             </a:fld>
             <a:endParaRPr lang="en-US" dirty="0"/>
           </a:p>
@@ -6324,7 +6333,7 @@
           <a:p>
             <a:fld id="{1D8BD707-D9CF-40AE-B4C6-C98DA3205C09}" type="datetimeFigureOut">
               <a:rPr lang="en-US"/>
-              <a:t>3/31/2020</a:t>
+              <a:t>4/1/2020</a:t>
             </a:fld>
             <a:endParaRPr lang="en-US" dirty="0"/>
           </a:p>
@@ -6544,7 +6553,7 @@
           <a:p>
             <a:fld id="{1D8BD707-D9CF-40AE-B4C6-C98DA3205C09}" type="datetimeFigureOut">
               <a:rPr lang="en-US"/>
-              <a:t>3/31/2020</a:t>
+              <a:t>4/1/2020</a:t>
             </a:fld>
             <a:endParaRPr lang="en-US" dirty="0"/>
           </a:p>
@@ -6690,7 +6699,7 @@
           <a:p>
             <a:fld id="{1D8BD707-D9CF-40AE-B4C6-C98DA3205C09}" type="datetimeFigureOut">
               <a:rPr lang="en-US"/>
-              <a:t>3/31/2020</a:t>
+              <a:t>4/1/2020</a:t>
             </a:fld>
             <a:endParaRPr lang="en-US" dirty="0"/>
           </a:p>
@@ -6809,7 +6818,7 @@
           <a:p>
             <a:fld id="{1D8BD707-D9CF-40AE-B4C6-C98DA3205C09}" type="datetimeFigureOut">
               <a:rPr lang="en-US"/>
-              <a:t>3/31/2020</a:t>
+              <a:t>4/1/2020</a:t>
             </a:fld>
             <a:endParaRPr lang="en-US" dirty="0"/>
           </a:p>
@@ -6855,13 +6864,235 @@
 </p:sldLayout>
 </file>
 
+<file path=ppt/slideLayouts/slideLayout6.xml><?xml version="1.0" encoding="utf-8"?>
+<p:sldLayout xmlns:a="http://schemas.openxmlformats.org/drawingml/2006/main" xmlns:r="http://schemas.openxmlformats.org/officeDocument/2006/relationships" xmlns:p="http://schemas.openxmlformats.org/presentationml/2006/main" type="title">
+  <p:cSld name="1_Title Slide">
+    <p:spTree>
+      <p:nvGrpSpPr>
+        <p:cNvPr id="1" name=""/>
+        <p:cNvGrpSpPr/>
+        <p:nvPr/>
+      </p:nvGrpSpPr>
+      <p:grpSpPr>
+        <a:xfrm>
+          <a:off x="0" y="0"/>
+          <a:ext cx="0" cy="0"/>
+          <a:chOff x="0" y="0"/>
+          <a:chExt cx="0" cy="0"/>
+        </a:xfrm>
+      </p:grpSpPr>
+      <p:sp>
+        <p:nvSpPr>
+          <p:cNvPr id="2" name="Title 1">
+            <a:extLst>
+              <a:ext uri="{FF2B5EF4-FFF2-40B4-BE49-F238E27FC236}">
+                <a16:creationId xmlns:a16="http://schemas.microsoft.com/office/drawing/2014/main" id="{48456619-29F4-4EA6-A471-5E2677351461}"/>
+              </a:ext>
+            </a:extLst>
+          </p:cNvPr>
+          <p:cNvSpPr>
+            <a:spLocks noGrp="1"/>
+          </p:cNvSpPr>
+          <p:nvPr>
+            <p:ph type="ctrTitle"/>
+          </p:nvPr>
+        </p:nvSpPr>
+        <p:spPr>
+          <a:xfrm>
+            <a:off x="2376289" y="4033317"/>
+            <a:ext cx="14257735" cy="1439625"/>
+          </a:xfrm>
+        </p:spPr>
+        <p:txBody>
+          <a:bodyPr anchor="b"/>
+          <a:lstStyle>
+            <a:lvl1pPr algn="ctr">
+              <a:defRPr sz="9355"/>
+            </a:lvl1pPr>
+          </a:lstStyle>
+          <a:p>
+            <a:r>
+              <a:rPr lang="en-US"/>
+              <a:t>Click to edit Master title style</a:t>
+            </a:r>
+            <a:endParaRPr lang="en-IN"/>
+          </a:p>
+        </p:txBody>
+      </p:sp>
+      <p:sp>
+        <p:nvSpPr>
+          <p:cNvPr id="3" name="Subtitle 2">
+            <a:extLst>
+              <a:ext uri="{FF2B5EF4-FFF2-40B4-BE49-F238E27FC236}">
+                <a16:creationId xmlns:a16="http://schemas.microsoft.com/office/drawing/2014/main" id="{EDEF7B43-ECCA-401E-9035-268A6436ED5C}"/>
+              </a:ext>
+            </a:extLst>
+          </p:cNvPr>
+          <p:cNvSpPr>
+            <a:spLocks noGrp="1"/>
+          </p:cNvSpPr>
+          <p:nvPr>
+            <p:ph type="subTitle" idx="1"/>
+          </p:nvPr>
+        </p:nvSpPr>
+        <p:spPr>
+          <a:xfrm>
+            <a:off x="2376289" y="5616511"/>
+            <a:ext cx="14257735" cy="575863"/>
+          </a:xfrm>
+        </p:spPr>
+        <p:txBody>
+          <a:bodyPr/>
+          <a:lstStyle>
+            <a:lvl1pPr marL="0" indent="0" algn="ctr">
+              <a:buNone/>
+              <a:defRPr sz="3742"/>
+            </a:lvl1pPr>
+            <a:lvl2pPr marL="712866" indent="0" algn="ctr">
+              <a:buNone/>
+              <a:defRPr sz="3118"/>
+            </a:lvl2pPr>
+            <a:lvl3pPr marL="1425732" indent="0" algn="ctr">
+              <a:buNone/>
+              <a:defRPr sz="2807"/>
+            </a:lvl3pPr>
+            <a:lvl4pPr marL="2138599" indent="0" algn="ctr">
+              <a:buNone/>
+              <a:defRPr sz="2495"/>
+            </a:lvl4pPr>
+            <a:lvl5pPr marL="2851465" indent="0" algn="ctr">
+              <a:buNone/>
+              <a:defRPr sz="2495"/>
+            </a:lvl5pPr>
+            <a:lvl6pPr marL="3564331" indent="0" algn="ctr">
+              <a:buNone/>
+              <a:defRPr sz="2495"/>
+            </a:lvl6pPr>
+            <a:lvl7pPr marL="4277197" indent="0" algn="ctr">
+              <a:buNone/>
+              <a:defRPr sz="2495"/>
+            </a:lvl7pPr>
+            <a:lvl8pPr marL="4990064" indent="0" algn="ctr">
+              <a:buNone/>
+              <a:defRPr sz="2495"/>
+            </a:lvl8pPr>
+            <a:lvl9pPr marL="5702930" indent="0" algn="ctr">
+              <a:buNone/>
+              <a:defRPr sz="2495"/>
+            </a:lvl9pPr>
+          </a:lstStyle>
+          <a:p>
+            <a:r>
+              <a:rPr lang="en-US"/>
+              <a:t>Click to edit Master subtitle style</a:t>
+            </a:r>
+            <a:endParaRPr lang="en-IN"/>
+          </a:p>
+        </p:txBody>
+      </p:sp>
+      <p:sp>
+        <p:nvSpPr>
+          <p:cNvPr id="4" name="Date Placeholder 3">
+            <a:extLst>
+              <a:ext uri="{FF2B5EF4-FFF2-40B4-BE49-F238E27FC236}">
+                <a16:creationId xmlns:a16="http://schemas.microsoft.com/office/drawing/2014/main" id="{B37C00D2-F712-43E0-BB8A-2766B0EB7457}"/>
+              </a:ext>
+            </a:extLst>
+          </p:cNvPr>
+          <p:cNvSpPr>
+            <a:spLocks noGrp="1"/>
+          </p:cNvSpPr>
+          <p:nvPr>
+            <p:ph type="dt" sz="half" idx="10"/>
+          </p:nvPr>
+        </p:nvSpPr>
+        <p:spPr/>
+        <p:txBody>
+          <a:bodyPr/>
+          <a:lstStyle/>
+          <a:p>
+            <a:fld id="{90F0D4B4-4671-4969-918D-7E11E39709AB}" type="datetimeFigureOut">
+              <a:rPr lang="en-IN" smtClean="0"/>
+              <a:t>01-04-2020</a:t>
+            </a:fld>
+            <a:endParaRPr lang="en-IN"/>
+          </a:p>
+        </p:txBody>
+      </p:sp>
+      <p:sp>
+        <p:nvSpPr>
+          <p:cNvPr id="5" name="Footer Placeholder 4">
+            <a:extLst>
+              <a:ext uri="{FF2B5EF4-FFF2-40B4-BE49-F238E27FC236}">
+                <a16:creationId xmlns:a16="http://schemas.microsoft.com/office/drawing/2014/main" id="{FF78D939-8F63-4C8A-AB22-E38499852CAC}"/>
+              </a:ext>
+            </a:extLst>
+          </p:cNvPr>
+          <p:cNvSpPr>
+            <a:spLocks noGrp="1"/>
+          </p:cNvSpPr>
+          <p:nvPr>
+            <p:ph type="ftr" sz="quarter" idx="11"/>
+          </p:nvPr>
+        </p:nvSpPr>
+        <p:spPr/>
+        <p:txBody>
+          <a:bodyPr/>
+          <a:lstStyle/>
+          <a:p>
+            <a:endParaRPr lang="en-IN"/>
+          </a:p>
+        </p:txBody>
+      </p:sp>
+      <p:sp>
+        <p:nvSpPr>
+          <p:cNvPr id="6" name="Slide Number Placeholder 5">
+            <a:extLst>
+              <a:ext uri="{FF2B5EF4-FFF2-40B4-BE49-F238E27FC236}">
+                <a16:creationId xmlns:a16="http://schemas.microsoft.com/office/drawing/2014/main" id="{FD0CC7A6-EEA1-4616-8EF6-D726F14EB8EE}"/>
+              </a:ext>
+            </a:extLst>
+          </p:cNvPr>
+          <p:cNvSpPr>
+            <a:spLocks noGrp="1"/>
+          </p:cNvSpPr>
+          <p:nvPr>
+            <p:ph type="sldNum" sz="quarter" idx="12"/>
+          </p:nvPr>
+        </p:nvSpPr>
+        <p:spPr/>
+        <p:txBody>
+          <a:bodyPr/>
+          <a:lstStyle/>
+          <a:p>
+            <a:fld id="{D4F4FC73-244B-4368-9805-F78C042EB00E}" type="slidenum">
+              <a:rPr lang="en-IN" smtClean="0"/>
+              <a:t>‹#›</a:t>
+            </a:fld>
+            <a:endParaRPr lang="en-IN"/>
+          </a:p>
+        </p:txBody>
+      </p:sp>
+    </p:spTree>
+    <p:extLst>
+      <p:ext uri="{BB962C8B-B14F-4D97-AF65-F5344CB8AC3E}">
+        <p14:creationId xmlns:p14="http://schemas.microsoft.com/office/powerpoint/2010/main" val="1987547279"/>
+      </p:ext>
+    </p:extLst>
+  </p:cSld>
+  <p:clrMapOvr>
+    <a:masterClrMapping/>
+  </p:clrMapOvr>
+</p:sldLayout>
+</file>
+
 <file path=ppt/slideMasters/slideMaster1.xml><?xml version="1.0" encoding="utf-8"?>
 <p:sldMaster xmlns:a="http://schemas.openxmlformats.org/drawingml/2006/main" xmlns:r="http://schemas.openxmlformats.org/officeDocument/2006/relationships" xmlns:p="http://schemas.openxmlformats.org/presentationml/2006/main">
   <p:cSld>
     <p:bg>
       <p:bgPr>
         <a:blipFill dpi="0" rotWithShape="1">
-          <a:blip r:embed="rId7">
+          <a:blip r:embed="rId8">
             <a:lum/>
           </a:blip>
           <a:srcRect/>
@@ -7373,7 +7604,7 @@
           <a:p>
             <a:fld id="{1D8BD707-D9CF-40AE-B4C6-C98DA3205C09}" type="datetimeFigureOut">
               <a:rPr lang="en-US"/>
-              <a:t>3/31/2020</a:t>
+              <a:t>4/1/2020</a:t>
             </a:fld>
             <a:endParaRPr lang="en-US" dirty="0"/>
           </a:p>
@@ -7430,6 +7661,7 @@
     <p:sldLayoutId id="2147483663" r:id="rId3"/>
     <p:sldLayoutId id="2147483664" r:id="rId4"/>
     <p:sldLayoutId id="2147483665" r:id="rId5"/>
+    <p:sldLayoutId id="2147483666" r:id="rId6"/>
   </p:sldLayoutIdLst>
   <p:txStyles>
     <p:titleStyle>
@@ -10660,6 +10892,3120 @@
           <a:chExt cx="0" cy="0"/>
         </a:xfrm>
       </p:grpSpPr>
+      <p:sp>
+        <p:nvSpPr>
+          <p:cNvPr id="4" name="Oval 3">
+            <a:extLst>
+              <a:ext uri="{FF2B5EF4-FFF2-40B4-BE49-F238E27FC236}">
+                <a16:creationId xmlns:a16="http://schemas.microsoft.com/office/drawing/2014/main" id="{F9E32326-D8BF-4C01-9B8F-35C53FCDF898}"/>
+              </a:ext>
+            </a:extLst>
+          </p:cNvPr>
+          <p:cNvSpPr/>
+          <p:nvPr/>
+        </p:nvSpPr>
+        <p:spPr>
+          <a:xfrm>
+            <a:off x="7098204" y="245344"/>
+            <a:ext cx="2912872" cy="1088493"/>
+          </a:xfrm>
+          <a:prstGeom prst="ellipse">
+            <a:avLst/>
+          </a:prstGeom>
+          <a:solidFill>
+            <a:schemeClr val="bg1"/>
+          </a:solidFill>
+        </p:spPr>
+        <p:style>
+          <a:lnRef idx="2">
+            <a:schemeClr val="accent1">
+              <a:shade val="50000"/>
+            </a:schemeClr>
+          </a:lnRef>
+          <a:fillRef idx="1">
+            <a:schemeClr val="accent1"/>
+          </a:fillRef>
+          <a:effectRef idx="0">
+            <a:schemeClr val="accent1"/>
+          </a:effectRef>
+          <a:fontRef idx="minor">
+            <a:schemeClr val="lt1"/>
+          </a:fontRef>
+        </p:style>
+        <p:txBody>
+          <a:bodyPr rot="0" spcFirstLastPara="0" vertOverflow="overflow" horzOverflow="overflow" vert="horz" wrap="square" lIns="142577" tIns="71289" rIns="142577" bIns="71289" numCol="1" spcCol="0" rtlCol="0" fromWordArt="0" anchor="ctr" anchorCtr="0" forceAA="0" compatLnSpc="1">
+            <a:prstTxWarp prst="textNoShape">
+              <a:avLst/>
+            </a:prstTxWarp>
+            <a:noAutofit/>
+          </a:bodyPr>
+          <a:lstStyle/>
+          <a:p>
+            <a:pPr algn="ctr"/>
+            <a:r>
+              <a:rPr lang="en-IN" sz="2807" b="1" dirty="0">
+                <a:solidFill>
+                  <a:schemeClr val="tx1"/>
+                </a:solidFill>
+              </a:rPr>
+              <a:t>START</a:t>
+            </a:r>
+          </a:p>
+        </p:txBody>
+      </p:sp>
+      <p:cxnSp>
+        <p:nvCxnSpPr>
+          <p:cNvPr id="7" name="Straight Arrow Connector 6">
+            <a:extLst>
+              <a:ext uri="{FF2B5EF4-FFF2-40B4-BE49-F238E27FC236}">
+                <a16:creationId xmlns:a16="http://schemas.microsoft.com/office/drawing/2014/main" id="{B25423F4-127D-4272-BC65-DBEF91E0D7A5}"/>
+              </a:ext>
+            </a:extLst>
+          </p:cNvPr>
+          <p:cNvCxnSpPr>
+            <a:cxnSpLocks/>
+          </p:cNvCxnSpPr>
+          <p:nvPr/>
+        </p:nvCxnSpPr>
+        <p:spPr>
+          <a:xfrm flipH="1">
+            <a:off x="8585303" y="1333838"/>
+            <a:ext cx="2" cy="766545"/>
+          </a:xfrm>
+          <a:prstGeom prst="straightConnector1">
+            <a:avLst/>
+          </a:prstGeom>
+          <a:ln>
+            <a:tailEnd type="triangle"/>
+          </a:ln>
+        </p:spPr>
+        <p:style>
+          <a:lnRef idx="1">
+            <a:schemeClr val="accent1"/>
+          </a:lnRef>
+          <a:fillRef idx="0">
+            <a:schemeClr val="accent1"/>
+          </a:fillRef>
+          <a:effectRef idx="0">
+            <a:schemeClr val="accent1"/>
+          </a:effectRef>
+          <a:fontRef idx="minor">
+            <a:schemeClr val="tx1"/>
+          </a:fontRef>
+        </p:style>
+      </p:cxnSp>
+      <p:sp>
+        <p:nvSpPr>
+          <p:cNvPr id="9" name="Rectangle: Rounded Corners 8">
+            <a:extLst>
+              <a:ext uri="{FF2B5EF4-FFF2-40B4-BE49-F238E27FC236}">
+                <a16:creationId xmlns:a16="http://schemas.microsoft.com/office/drawing/2014/main" id="{CA21A90F-AB13-428D-9562-B48C775FA685}"/>
+              </a:ext>
+            </a:extLst>
+          </p:cNvPr>
+          <p:cNvSpPr/>
+          <p:nvPr/>
+        </p:nvSpPr>
+        <p:spPr>
+          <a:xfrm>
+            <a:off x="3135178" y="2100382"/>
+            <a:ext cx="10861933" cy="1272465"/>
+          </a:xfrm>
+          <a:prstGeom prst="roundRect">
+            <a:avLst/>
+          </a:prstGeom>
+          <a:solidFill>
+            <a:schemeClr val="bg1"/>
+          </a:solidFill>
+        </p:spPr>
+        <p:style>
+          <a:lnRef idx="2">
+            <a:schemeClr val="accent1">
+              <a:shade val="50000"/>
+            </a:schemeClr>
+          </a:lnRef>
+          <a:fillRef idx="1">
+            <a:schemeClr val="accent1"/>
+          </a:fillRef>
+          <a:effectRef idx="0">
+            <a:schemeClr val="accent1"/>
+          </a:effectRef>
+          <a:fontRef idx="minor">
+            <a:schemeClr val="lt1"/>
+          </a:fontRef>
+        </p:style>
+        <p:txBody>
+          <a:bodyPr rot="0" spcFirstLastPara="0" vertOverflow="overflow" horzOverflow="overflow" vert="horz" wrap="square" lIns="142577" tIns="71289" rIns="142577" bIns="71289" numCol="1" spcCol="0" rtlCol="0" fromWordArt="0" anchor="ctr" anchorCtr="0" forceAA="0" compatLnSpc="1">
+            <a:prstTxWarp prst="textNoShape">
+              <a:avLst/>
+            </a:prstTxWarp>
+            <a:noAutofit/>
+          </a:bodyPr>
+          <a:lstStyle/>
+          <a:p>
+            <a:pPr algn="ctr"/>
+            <a:endParaRPr lang="en-IN" sz="2807"/>
+          </a:p>
+        </p:txBody>
+      </p:sp>
+      <p:sp>
+        <p:nvSpPr>
+          <p:cNvPr id="12" name="Rectangle 11">
+            <a:extLst>
+              <a:ext uri="{FF2B5EF4-FFF2-40B4-BE49-F238E27FC236}">
+                <a16:creationId xmlns:a16="http://schemas.microsoft.com/office/drawing/2014/main" id="{AB5AB052-1233-4C38-9AD3-2EAC9EAA316E}"/>
+              </a:ext>
+            </a:extLst>
+          </p:cNvPr>
+          <p:cNvSpPr/>
+          <p:nvPr/>
+        </p:nvSpPr>
+        <p:spPr>
+          <a:xfrm>
+            <a:off x="3901722" y="2376339"/>
+            <a:ext cx="2085002" cy="720552"/>
+          </a:xfrm>
+          <a:prstGeom prst="rect">
+            <a:avLst/>
+          </a:prstGeom>
+          <a:solidFill>
+            <a:schemeClr val="bg1"/>
+          </a:solidFill>
+        </p:spPr>
+        <p:style>
+          <a:lnRef idx="2">
+            <a:schemeClr val="accent1">
+              <a:shade val="50000"/>
+            </a:schemeClr>
+          </a:lnRef>
+          <a:fillRef idx="1">
+            <a:schemeClr val="accent1"/>
+          </a:fillRef>
+          <a:effectRef idx="0">
+            <a:schemeClr val="accent1"/>
+          </a:effectRef>
+          <a:fontRef idx="minor">
+            <a:schemeClr val="lt1"/>
+          </a:fontRef>
+        </p:style>
+        <p:txBody>
+          <a:bodyPr rot="0" spcFirstLastPara="0" vertOverflow="overflow" horzOverflow="overflow" vert="horz" wrap="square" lIns="142577" tIns="71289" rIns="142577" bIns="71289" numCol="1" spcCol="0" rtlCol="0" fromWordArt="0" anchor="ctr" anchorCtr="0" forceAA="0" compatLnSpc="1">
+            <a:prstTxWarp prst="textNoShape">
+              <a:avLst/>
+            </a:prstTxWarp>
+            <a:noAutofit/>
+          </a:bodyPr>
+          <a:lstStyle/>
+          <a:p>
+            <a:pPr algn="ctr"/>
+            <a:r>
+              <a:rPr lang="en-IN" sz="2807" b="1" dirty="0">
+                <a:solidFill>
+                  <a:schemeClr val="tx1"/>
+                </a:solidFill>
+              </a:rPr>
+              <a:t>READING</a:t>
+            </a:r>
+          </a:p>
+        </p:txBody>
+      </p:sp>
+      <p:sp>
+        <p:nvSpPr>
+          <p:cNvPr id="13" name="Rectangle 12">
+            <a:extLst>
+              <a:ext uri="{FF2B5EF4-FFF2-40B4-BE49-F238E27FC236}">
+                <a16:creationId xmlns:a16="http://schemas.microsoft.com/office/drawing/2014/main" id="{661289D1-0796-4BBF-8D4A-5E96EF0BDFBD}"/>
+              </a:ext>
+            </a:extLst>
+          </p:cNvPr>
+          <p:cNvSpPr/>
+          <p:nvPr/>
+        </p:nvSpPr>
+        <p:spPr>
+          <a:xfrm>
+            <a:off x="6435149" y="2376339"/>
+            <a:ext cx="2085002" cy="720552"/>
+          </a:xfrm>
+          <a:prstGeom prst="rect">
+            <a:avLst/>
+          </a:prstGeom>
+          <a:solidFill>
+            <a:schemeClr val="bg1"/>
+          </a:solidFill>
+        </p:spPr>
+        <p:style>
+          <a:lnRef idx="2">
+            <a:schemeClr val="accent1">
+              <a:shade val="50000"/>
+            </a:schemeClr>
+          </a:lnRef>
+          <a:fillRef idx="1">
+            <a:schemeClr val="accent1"/>
+          </a:fillRef>
+          <a:effectRef idx="0">
+            <a:schemeClr val="accent1"/>
+          </a:effectRef>
+          <a:fontRef idx="minor">
+            <a:schemeClr val="lt1"/>
+          </a:fontRef>
+        </p:style>
+        <p:txBody>
+          <a:bodyPr rot="0" spcFirstLastPara="0" vertOverflow="overflow" horzOverflow="overflow" vert="horz" wrap="square" lIns="142577" tIns="71289" rIns="142577" bIns="71289" numCol="1" spcCol="0" rtlCol="0" fromWordArt="0" anchor="ctr" anchorCtr="0" forceAA="0" compatLnSpc="1">
+            <a:prstTxWarp prst="textNoShape">
+              <a:avLst/>
+            </a:prstTxWarp>
+            <a:noAutofit/>
+          </a:bodyPr>
+          <a:lstStyle/>
+          <a:p>
+            <a:pPr algn="ctr"/>
+            <a:r>
+              <a:rPr lang="en-IN" sz="2807" b="1" dirty="0">
+                <a:solidFill>
+                  <a:schemeClr val="tx1"/>
+                </a:solidFill>
+              </a:rPr>
+              <a:t>LISTENING</a:t>
+            </a:r>
+          </a:p>
+        </p:txBody>
+      </p:sp>
+      <p:sp>
+        <p:nvSpPr>
+          <p:cNvPr id="14" name="Rectangle 13">
+            <a:extLst>
+              <a:ext uri="{FF2B5EF4-FFF2-40B4-BE49-F238E27FC236}">
+                <a16:creationId xmlns:a16="http://schemas.microsoft.com/office/drawing/2014/main" id="{650F4FE5-16E5-4A04-A5AE-04899D96346A}"/>
+              </a:ext>
+            </a:extLst>
+          </p:cNvPr>
+          <p:cNvSpPr/>
+          <p:nvPr/>
+        </p:nvSpPr>
+        <p:spPr>
+          <a:xfrm>
+            <a:off x="8968575" y="2376339"/>
+            <a:ext cx="2085002" cy="720552"/>
+          </a:xfrm>
+          <a:prstGeom prst="rect">
+            <a:avLst/>
+          </a:prstGeom>
+          <a:solidFill>
+            <a:schemeClr val="bg1"/>
+          </a:solidFill>
+        </p:spPr>
+        <p:style>
+          <a:lnRef idx="2">
+            <a:schemeClr val="accent1">
+              <a:shade val="50000"/>
+            </a:schemeClr>
+          </a:lnRef>
+          <a:fillRef idx="1">
+            <a:schemeClr val="accent1"/>
+          </a:fillRef>
+          <a:effectRef idx="0">
+            <a:schemeClr val="accent1"/>
+          </a:effectRef>
+          <a:fontRef idx="minor">
+            <a:schemeClr val="lt1"/>
+          </a:fontRef>
+        </p:style>
+        <p:txBody>
+          <a:bodyPr rot="0" spcFirstLastPara="0" vertOverflow="overflow" horzOverflow="overflow" vert="horz" wrap="square" lIns="142577" tIns="71289" rIns="142577" bIns="71289" numCol="1" spcCol="0" rtlCol="0" fromWordArt="0" anchor="ctr" anchorCtr="0" forceAA="0" compatLnSpc="1">
+            <a:prstTxWarp prst="textNoShape">
+              <a:avLst/>
+            </a:prstTxWarp>
+            <a:noAutofit/>
+          </a:bodyPr>
+          <a:lstStyle/>
+          <a:p>
+            <a:pPr algn="ctr"/>
+            <a:r>
+              <a:rPr lang="en-IN" sz="2807" b="1" dirty="0">
+                <a:solidFill>
+                  <a:schemeClr val="tx1"/>
+                </a:solidFill>
+              </a:rPr>
+              <a:t>SPEAKING</a:t>
+            </a:r>
+          </a:p>
+        </p:txBody>
+      </p:sp>
+      <p:sp>
+        <p:nvSpPr>
+          <p:cNvPr id="15" name="Rectangle 14">
+            <a:extLst>
+              <a:ext uri="{FF2B5EF4-FFF2-40B4-BE49-F238E27FC236}">
+                <a16:creationId xmlns:a16="http://schemas.microsoft.com/office/drawing/2014/main" id="{463F087F-058C-4964-BD40-CEAE52EE161F}"/>
+              </a:ext>
+            </a:extLst>
+          </p:cNvPr>
+          <p:cNvSpPr/>
+          <p:nvPr/>
+        </p:nvSpPr>
+        <p:spPr>
+          <a:xfrm>
+            <a:off x="11502002" y="2376339"/>
+            <a:ext cx="2085002" cy="720552"/>
+          </a:xfrm>
+          <a:prstGeom prst="rect">
+            <a:avLst/>
+          </a:prstGeom>
+          <a:solidFill>
+            <a:schemeClr val="bg1"/>
+          </a:solidFill>
+        </p:spPr>
+        <p:style>
+          <a:lnRef idx="2">
+            <a:schemeClr val="accent1">
+              <a:shade val="50000"/>
+            </a:schemeClr>
+          </a:lnRef>
+          <a:fillRef idx="1">
+            <a:schemeClr val="accent1"/>
+          </a:fillRef>
+          <a:effectRef idx="0">
+            <a:schemeClr val="accent1"/>
+          </a:effectRef>
+          <a:fontRef idx="minor">
+            <a:schemeClr val="lt1"/>
+          </a:fontRef>
+        </p:style>
+        <p:txBody>
+          <a:bodyPr rot="0" spcFirstLastPara="0" vertOverflow="overflow" horzOverflow="overflow" vert="horz" wrap="square" lIns="142577" tIns="71289" rIns="142577" bIns="71289" numCol="1" spcCol="0" rtlCol="0" fromWordArt="0" anchor="ctr" anchorCtr="0" forceAA="0" compatLnSpc="1">
+            <a:prstTxWarp prst="textNoShape">
+              <a:avLst/>
+            </a:prstTxWarp>
+            <a:noAutofit/>
+          </a:bodyPr>
+          <a:lstStyle/>
+          <a:p>
+            <a:pPr algn="ctr"/>
+            <a:r>
+              <a:rPr lang="en-IN" sz="2807" b="1" dirty="0">
+                <a:solidFill>
+                  <a:schemeClr val="tx1"/>
+                </a:solidFill>
+              </a:rPr>
+              <a:t>WRITING</a:t>
+            </a:r>
+          </a:p>
+        </p:txBody>
+      </p:sp>
+      <p:cxnSp>
+        <p:nvCxnSpPr>
+          <p:cNvPr id="19" name="Straight Connector 18">
+            <a:extLst>
+              <a:ext uri="{FF2B5EF4-FFF2-40B4-BE49-F238E27FC236}">
+                <a16:creationId xmlns:a16="http://schemas.microsoft.com/office/drawing/2014/main" id="{65B0D766-6B24-43A8-8232-0AEA7A846963}"/>
+              </a:ext>
+            </a:extLst>
+          </p:cNvPr>
+          <p:cNvCxnSpPr>
+            <a:endCxn id="13" idx="1"/>
+          </p:cNvCxnSpPr>
+          <p:nvPr/>
+        </p:nvCxnSpPr>
+        <p:spPr>
+          <a:xfrm flipV="1">
+            <a:off x="5986724" y="2736615"/>
+            <a:ext cx="448425" cy="7665"/>
+          </a:xfrm>
+          <a:prstGeom prst="line">
+            <a:avLst/>
+          </a:prstGeom>
+        </p:spPr>
+        <p:style>
+          <a:lnRef idx="1">
+            <a:schemeClr val="accent1"/>
+          </a:lnRef>
+          <a:fillRef idx="0">
+            <a:schemeClr val="accent1"/>
+          </a:fillRef>
+          <a:effectRef idx="0">
+            <a:schemeClr val="accent1"/>
+          </a:effectRef>
+          <a:fontRef idx="minor">
+            <a:schemeClr val="tx1"/>
+          </a:fontRef>
+        </p:style>
+      </p:cxnSp>
+      <p:cxnSp>
+        <p:nvCxnSpPr>
+          <p:cNvPr id="21" name="Straight Connector 20">
+            <a:extLst>
+              <a:ext uri="{FF2B5EF4-FFF2-40B4-BE49-F238E27FC236}">
+                <a16:creationId xmlns:a16="http://schemas.microsoft.com/office/drawing/2014/main" id="{DE9F3765-240D-474D-89A3-9AF9EDFDA5FA}"/>
+              </a:ext>
+            </a:extLst>
+          </p:cNvPr>
+          <p:cNvCxnSpPr>
+            <a:stCxn id="13" idx="3"/>
+            <a:endCxn id="14" idx="1"/>
+          </p:cNvCxnSpPr>
+          <p:nvPr/>
+        </p:nvCxnSpPr>
+        <p:spPr>
+          <a:xfrm>
+            <a:off x="8520151" y="2736615"/>
+            <a:ext cx="448425" cy="0"/>
+          </a:xfrm>
+          <a:prstGeom prst="line">
+            <a:avLst/>
+          </a:prstGeom>
+        </p:spPr>
+        <p:style>
+          <a:lnRef idx="1">
+            <a:schemeClr val="accent1"/>
+          </a:lnRef>
+          <a:fillRef idx="0">
+            <a:schemeClr val="accent1"/>
+          </a:fillRef>
+          <a:effectRef idx="0">
+            <a:schemeClr val="accent1"/>
+          </a:effectRef>
+          <a:fontRef idx="minor">
+            <a:schemeClr val="tx1"/>
+          </a:fontRef>
+        </p:style>
+      </p:cxnSp>
+      <p:cxnSp>
+        <p:nvCxnSpPr>
+          <p:cNvPr id="23" name="Straight Connector 22">
+            <a:extLst>
+              <a:ext uri="{FF2B5EF4-FFF2-40B4-BE49-F238E27FC236}">
+                <a16:creationId xmlns:a16="http://schemas.microsoft.com/office/drawing/2014/main" id="{718C75EB-6FA8-4749-85D6-9E8C71473841}"/>
+              </a:ext>
+            </a:extLst>
+          </p:cNvPr>
+          <p:cNvCxnSpPr>
+            <a:stCxn id="14" idx="3"/>
+            <a:endCxn id="15" idx="1"/>
+          </p:cNvCxnSpPr>
+          <p:nvPr/>
+        </p:nvCxnSpPr>
+        <p:spPr>
+          <a:xfrm>
+            <a:off x="11053577" y="2736615"/>
+            <a:ext cx="448425" cy="0"/>
+          </a:xfrm>
+          <a:prstGeom prst="line">
+            <a:avLst/>
+          </a:prstGeom>
+        </p:spPr>
+        <p:style>
+          <a:lnRef idx="1">
+            <a:schemeClr val="accent1"/>
+          </a:lnRef>
+          <a:fillRef idx="0">
+            <a:schemeClr val="accent1"/>
+          </a:fillRef>
+          <a:effectRef idx="0">
+            <a:schemeClr val="accent1"/>
+          </a:effectRef>
+          <a:fontRef idx="minor">
+            <a:schemeClr val="tx1"/>
+          </a:fontRef>
+        </p:style>
+      </p:cxnSp>
+      <p:cxnSp>
+        <p:nvCxnSpPr>
+          <p:cNvPr id="26" name="Straight Arrow Connector 25">
+            <a:extLst>
+              <a:ext uri="{FF2B5EF4-FFF2-40B4-BE49-F238E27FC236}">
+                <a16:creationId xmlns:a16="http://schemas.microsoft.com/office/drawing/2014/main" id="{F2AE8C3D-18AB-4BA6-BFA9-548E08323126}"/>
+              </a:ext>
+            </a:extLst>
+          </p:cNvPr>
+          <p:cNvCxnSpPr>
+            <a:cxnSpLocks/>
+          </p:cNvCxnSpPr>
+          <p:nvPr/>
+        </p:nvCxnSpPr>
+        <p:spPr>
+          <a:xfrm flipH="1">
+            <a:off x="8520149" y="3372848"/>
+            <a:ext cx="2" cy="766545"/>
+          </a:xfrm>
+          <a:prstGeom prst="straightConnector1">
+            <a:avLst/>
+          </a:prstGeom>
+          <a:ln>
+            <a:tailEnd type="triangle"/>
+          </a:ln>
+        </p:spPr>
+        <p:style>
+          <a:lnRef idx="1">
+            <a:schemeClr val="accent1"/>
+          </a:lnRef>
+          <a:fillRef idx="0">
+            <a:schemeClr val="accent1"/>
+          </a:fillRef>
+          <a:effectRef idx="0">
+            <a:schemeClr val="accent1"/>
+          </a:effectRef>
+          <a:fontRef idx="minor">
+            <a:schemeClr val="tx1"/>
+          </a:fontRef>
+        </p:style>
+      </p:cxnSp>
+      <p:sp>
+        <p:nvSpPr>
+          <p:cNvPr id="27" name="Rectangle 26">
+            <a:extLst>
+              <a:ext uri="{FF2B5EF4-FFF2-40B4-BE49-F238E27FC236}">
+                <a16:creationId xmlns:a16="http://schemas.microsoft.com/office/drawing/2014/main" id="{2E1769DF-654C-418A-B04B-6F36D926065E}"/>
+              </a:ext>
+            </a:extLst>
+          </p:cNvPr>
+          <p:cNvSpPr/>
+          <p:nvPr/>
+        </p:nvSpPr>
+        <p:spPr>
+          <a:xfrm>
+            <a:off x="3901722" y="3096891"/>
+            <a:ext cx="2085002" cy="6071037"/>
+          </a:xfrm>
+          <a:prstGeom prst="rect">
+            <a:avLst/>
+          </a:prstGeom>
+          <a:solidFill>
+            <a:schemeClr val="bg1">
+              <a:lumMod val="95000"/>
+            </a:schemeClr>
+          </a:solidFill>
+          <a:ln>
+            <a:solidFill>
+              <a:schemeClr val="bg1">
+                <a:lumMod val="50000"/>
+              </a:schemeClr>
+            </a:solidFill>
+          </a:ln>
+        </p:spPr>
+        <p:style>
+          <a:lnRef idx="2">
+            <a:schemeClr val="accent1">
+              <a:shade val="50000"/>
+            </a:schemeClr>
+          </a:lnRef>
+          <a:fillRef idx="1">
+            <a:schemeClr val="accent1"/>
+          </a:fillRef>
+          <a:effectRef idx="0">
+            <a:schemeClr val="accent1"/>
+          </a:effectRef>
+          <a:fontRef idx="minor">
+            <a:schemeClr val="lt1"/>
+          </a:fontRef>
+        </p:style>
+        <p:txBody>
+          <a:bodyPr rot="0" spcFirstLastPara="0" vertOverflow="overflow" horzOverflow="overflow" vert="horz" wrap="square" lIns="142577" tIns="71289" rIns="142577" bIns="71289" numCol="1" spcCol="0" rtlCol="0" fromWordArt="0" anchor="ctr" anchorCtr="0" forceAA="0" compatLnSpc="1">
+            <a:prstTxWarp prst="textNoShape">
+              <a:avLst/>
+            </a:prstTxWarp>
+            <a:noAutofit/>
+          </a:bodyPr>
+          <a:lstStyle/>
+          <a:p>
+            <a:pPr algn="ctr"/>
+            <a:endParaRPr lang="en-IN" sz="2807"/>
+          </a:p>
+        </p:txBody>
+      </p:sp>
+      <p:sp>
+        <p:nvSpPr>
+          <p:cNvPr id="28" name="Rectangle 27">
+            <a:extLst>
+              <a:ext uri="{FF2B5EF4-FFF2-40B4-BE49-F238E27FC236}">
+                <a16:creationId xmlns:a16="http://schemas.microsoft.com/office/drawing/2014/main" id="{C5EF45B7-AE5B-4C8B-BC4C-1A95D39D625F}"/>
+              </a:ext>
+            </a:extLst>
+          </p:cNvPr>
+          <p:cNvSpPr/>
+          <p:nvPr/>
+        </p:nvSpPr>
+        <p:spPr>
+          <a:xfrm>
+            <a:off x="6435148" y="3096891"/>
+            <a:ext cx="2084994" cy="6071037"/>
+          </a:xfrm>
+          <a:prstGeom prst="rect">
+            <a:avLst/>
+          </a:prstGeom>
+          <a:solidFill>
+            <a:schemeClr val="bg1">
+              <a:lumMod val="95000"/>
+            </a:schemeClr>
+          </a:solidFill>
+          <a:ln>
+            <a:solidFill>
+              <a:schemeClr val="bg1">
+                <a:lumMod val="50000"/>
+              </a:schemeClr>
+            </a:solidFill>
+          </a:ln>
+        </p:spPr>
+        <p:style>
+          <a:lnRef idx="2">
+            <a:schemeClr val="accent1">
+              <a:shade val="50000"/>
+            </a:schemeClr>
+          </a:lnRef>
+          <a:fillRef idx="1">
+            <a:schemeClr val="accent1"/>
+          </a:fillRef>
+          <a:effectRef idx="0">
+            <a:schemeClr val="accent1"/>
+          </a:effectRef>
+          <a:fontRef idx="minor">
+            <a:schemeClr val="lt1"/>
+          </a:fontRef>
+        </p:style>
+        <p:txBody>
+          <a:bodyPr rot="0" spcFirstLastPara="0" vertOverflow="overflow" horzOverflow="overflow" vert="horz" wrap="square" lIns="142577" tIns="71289" rIns="142577" bIns="71289" numCol="1" spcCol="0" rtlCol="0" fromWordArt="0" anchor="ctr" anchorCtr="0" forceAA="0" compatLnSpc="1">
+            <a:prstTxWarp prst="textNoShape">
+              <a:avLst/>
+            </a:prstTxWarp>
+            <a:noAutofit/>
+          </a:bodyPr>
+          <a:lstStyle/>
+          <a:p>
+            <a:pPr algn="ctr"/>
+            <a:endParaRPr lang="en-IN" sz="2807"/>
+          </a:p>
+        </p:txBody>
+      </p:sp>
+      <p:sp>
+        <p:nvSpPr>
+          <p:cNvPr id="29" name="Rectangle 28">
+            <a:extLst>
+              <a:ext uri="{FF2B5EF4-FFF2-40B4-BE49-F238E27FC236}">
+                <a16:creationId xmlns:a16="http://schemas.microsoft.com/office/drawing/2014/main" id="{E181F711-157A-4B1E-A9C6-B77F67A1C8D5}"/>
+              </a:ext>
+            </a:extLst>
+          </p:cNvPr>
+          <p:cNvSpPr/>
+          <p:nvPr/>
+        </p:nvSpPr>
+        <p:spPr>
+          <a:xfrm>
+            <a:off x="8968567" y="3096891"/>
+            <a:ext cx="2084994" cy="6071037"/>
+          </a:xfrm>
+          <a:prstGeom prst="rect">
+            <a:avLst/>
+          </a:prstGeom>
+          <a:solidFill>
+            <a:schemeClr val="bg1">
+              <a:lumMod val="95000"/>
+            </a:schemeClr>
+          </a:solidFill>
+          <a:ln>
+            <a:solidFill>
+              <a:schemeClr val="bg1">
+                <a:lumMod val="50000"/>
+              </a:schemeClr>
+            </a:solidFill>
+          </a:ln>
+        </p:spPr>
+        <p:style>
+          <a:lnRef idx="2">
+            <a:schemeClr val="accent1">
+              <a:shade val="50000"/>
+            </a:schemeClr>
+          </a:lnRef>
+          <a:fillRef idx="1">
+            <a:schemeClr val="accent1"/>
+          </a:fillRef>
+          <a:effectRef idx="0">
+            <a:schemeClr val="accent1"/>
+          </a:effectRef>
+          <a:fontRef idx="minor">
+            <a:schemeClr val="lt1"/>
+          </a:fontRef>
+        </p:style>
+        <p:txBody>
+          <a:bodyPr rot="0" spcFirstLastPara="0" vertOverflow="overflow" horzOverflow="overflow" vert="horz" wrap="square" lIns="142577" tIns="71289" rIns="142577" bIns="71289" numCol="1" spcCol="0" rtlCol="0" fromWordArt="0" anchor="ctr" anchorCtr="0" forceAA="0" compatLnSpc="1">
+            <a:prstTxWarp prst="textNoShape">
+              <a:avLst/>
+            </a:prstTxWarp>
+            <a:noAutofit/>
+          </a:bodyPr>
+          <a:lstStyle/>
+          <a:p>
+            <a:pPr algn="ctr"/>
+            <a:endParaRPr lang="en-IN" sz="2807"/>
+          </a:p>
+        </p:txBody>
+      </p:sp>
+      <p:sp>
+        <p:nvSpPr>
+          <p:cNvPr id="30" name="Rectangle 29">
+            <a:extLst>
+              <a:ext uri="{FF2B5EF4-FFF2-40B4-BE49-F238E27FC236}">
+                <a16:creationId xmlns:a16="http://schemas.microsoft.com/office/drawing/2014/main" id="{DA2909C1-E688-4D28-A875-372A1FA2339D}"/>
+              </a:ext>
+            </a:extLst>
+          </p:cNvPr>
+          <p:cNvSpPr/>
+          <p:nvPr/>
+        </p:nvSpPr>
+        <p:spPr>
+          <a:xfrm>
+            <a:off x="11502009" y="3096891"/>
+            <a:ext cx="2084994" cy="6071037"/>
+          </a:xfrm>
+          <a:prstGeom prst="rect">
+            <a:avLst/>
+          </a:prstGeom>
+          <a:solidFill>
+            <a:schemeClr val="bg1">
+              <a:lumMod val="95000"/>
+            </a:schemeClr>
+          </a:solidFill>
+          <a:ln>
+            <a:solidFill>
+              <a:schemeClr val="bg1">
+                <a:lumMod val="50000"/>
+              </a:schemeClr>
+            </a:solidFill>
+          </a:ln>
+        </p:spPr>
+        <p:style>
+          <a:lnRef idx="2">
+            <a:schemeClr val="accent1">
+              <a:shade val="50000"/>
+            </a:schemeClr>
+          </a:lnRef>
+          <a:fillRef idx="1">
+            <a:schemeClr val="accent1"/>
+          </a:fillRef>
+          <a:effectRef idx="0">
+            <a:schemeClr val="accent1"/>
+          </a:effectRef>
+          <a:fontRef idx="minor">
+            <a:schemeClr val="lt1"/>
+          </a:fontRef>
+        </p:style>
+        <p:txBody>
+          <a:bodyPr rot="0" spcFirstLastPara="0" vertOverflow="overflow" horzOverflow="overflow" vert="horz" wrap="square" lIns="142577" tIns="71289" rIns="142577" bIns="71289" numCol="1" spcCol="0" rtlCol="0" fromWordArt="0" anchor="ctr" anchorCtr="0" forceAA="0" compatLnSpc="1">
+            <a:prstTxWarp prst="textNoShape">
+              <a:avLst/>
+            </a:prstTxWarp>
+            <a:noAutofit/>
+          </a:bodyPr>
+          <a:lstStyle/>
+          <a:p>
+            <a:pPr algn="ctr"/>
+            <a:endParaRPr lang="en-IN" sz="2807"/>
+          </a:p>
+        </p:txBody>
+      </p:sp>
+      <p:sp>
+        <p:nvSpPr>
+          <p:cNvPr id="31" name="TextBox 30">
+            <a:extLst>
+              <a:ext uri="{FF2B5EF4-FFF2-40B4-BE49-F238E27FC236}">
+                <a16:creationId xmlns:a16="http://schemas.microsoft.com/office/drawing/2014/main" id="{E083A5FF-4410-4761-B33E-C7628207F223}"/>
+              </a:ext>
+            </a:extLst>
+          </p:cNvPr>
+          <p:cNvSpPr txBox="1"/>
+          <p:nvPr/>
+        </p:nvSpPr>
+        <p:spPr>
+          <a:xfrm>
+            <a:off x="8617887" y="1333838"/>
+            <a:ext cx="1908687" cy="524311"/>
+          </a:xfrm>
+          <a:prstGeom prst="rect">
+            <a:avLst/>
+          </a:prstGeom>
+          <a:noFill/>
+        </p:spPr>
+        <p:txBody>
+          <a:bodyPr wrap="square" rtlCol="0">
+            <a:spAutoFit/>
+          </a:bodyPr>
+          <a:lstStyle/>
+          <a:p>
+            <a:r>
+              <a:rPr lang="en-IN" sz="2807" dirty="0">
+                <a:solidFill>
+                  <a:schemeClr val="accent1">
+                    <a:lumMod val="50000"/>
+                  </a:schemeClr>
+                </a:solidFill>
+              </a:rPr>
+              <a:t>Options</a:t>
+            </a:r>
+          </a:p>
+        </p:txBody>
+      </p:sp>
+      <p:sp>
+        <p:nvSpPr>
+          <p:cNvPr id="33" name="Cloud 32">
+            <a:extLst>
+              <a:ext uri="{FF2B5EF4-FFF2-40B4-BE49-F238E27FC236}">
+                <a16:creationId xmlns:a16="http://schemas.microsoft.com/office/drawing/2014/main" id="{14192AE7-3D08-49D3-87B5-80B3AA6E145E}"/>
+              </a:ext>
+            </a:extLst>
+          </p:cNvPr>
+          <p:cNvSpPr/>
+          <p:nvPr/>
+        </p:nvSpPr>
+        <p:spPr>
+          <a:xfrm>
+            <a:off x="364104" y="3334520"/>
+            <a:ext cx="2222981" cy="1088493"/>
+          </a:xfrm>
+          <a:prstGeom prst="cloud">
+            <a:avLst/>
+          </a:prstGeom>
+        </p:spPr>
+        <p:style>
+          <a:lnRef idx="2">
+            <a:schemeClr val="accent1">
+              <a:shade val="50000"/>
+            </a:schemeClr>
+          </a:lnRef>
+          <a:fillRef idx="1">
+            <a:schemeClr val="accent1"/>
+          </a:fillRef>
+          <a:effectRef idx="0">
+            <a:schemeClr val="accent1"/>
+          </a:effectRef>
+          <a:fontRef idx="minor">
+            <a:schemeClr val="lt1"/>
+          </a:fontRef>
+        </p:style>
+        <p:txBody>
+          <a:bodyPr rot="0" spcFirstLastPara="0" vertOverflow="overflow" horzOverflow="overflow" vert="horz" wrap="square" lIns="142577" tIns="71289" rIns="142577" bIns="71289" numCol="1" spcCol="0" rtlCol="0" fromWordArt="0" anchor="ctr" anchorCtr="0" forceAA="0" compatLnSpc="1">
+            <a:prstTxWarp prst="textNoShape">
+              <a:avLst/>
+            </a:prstTxWarp>
+            <a:noAutofit/>
+          </a:bodyPr>
+          <a:lstStyle/>
+          <a:p>
+            <a:r>
+              <a:rPr lang="en-IN" sz="2807" dirty="0">
+                <a:solidFill>
+                  <a:schemeClr val="accent1">
+                    <a:lumMod val="50000"/>
+                  </a:schemeClr>
+                </a:solidFill>
+              </a:rPr>
+              <a:t>  </a:t>
+            </a:r>
+            <a:r>
+              <a:rPr lang="en-IN" sz="2495" dirty="0">
+                <a:solidFill>
+                  <a:schemeClr val="bg1"/>
+                </a:solidFill>
+              </a:rPr>
+              <a:t> Azure Services</a:t>
+            </a:r>
+          </a:p>
+        </p:txBody>
+      </p:sp>
+      <p:cxnSp>
+        <p:nvCxnSpPr>
+          <p:cNvPr id="38" name="Straight Arrow Connector 37">
+            <a:extLst>
+              <a:ext uri="{FF2B5EF4-FFF2-40B4-BE49-F238E27FC236}">
+                <a16:creationId xmlns:a16="http://schemas.microsoft.com/office/drawing/2014/main" id="{87632F1B-B44C-411E-94C2-4EE4BB7A8CC9}"/>
+              </a:ext>
+            </a:extLst>
+          </p:cNvPr>
+          <p:cNvCxnSpPr>
+            <a:cxnSpLocks/>
+          </p:cNvCxnSpPr>
+          <p:nvPr/>
+        </p:nvCxnSpPr>
+        <p:spPr>
+          <a:xfrm>
+            <a:off x="4925058" y="3020238"/>
+            <a:ext cx="19163" cy="628567"/>
+          </a:xfrm>
+          <a:prstGeom prst="straightConnector1">
+            <a:avLst/>
+          </a:prstGeom>
+          <a:ln>
+            <a:tailEnd type="triangle"/>
+          </a:ln>
+        </p:spPr>
+        <p:style>
+          <a:lnRef idx="1">
+            <a:schemeClr val="accent1"/>
+          </a:lnRef>
+          <a:fillRef idx="0">
+            <a:schemeClr val="accent1"/>
+          </a:fillRef>
+          <a:effectRef idx="0">
+            <a:schemeClr val="accent1"/>
+          </a:effectRef>
+          <a:fontRef idx="minor">
+            <a:schemeClr val="tx1"/>
+          </a:fontRef>
+        </p:style>
+      </p:cxnSp>
+      <p:pic>
+        <p:nvPicPr>
+          <p:cNvPr id="43" name="Picture 4" descr="Use Immersive Reader for OneNote - Office Support">
+            <a:extLst>
+              <a:ext uri="{FF2B5EF4-FFF2-40B4-BE49-F238E27FC236}">
+                <a16:creationId xmlns:a16="http://schemas.microsoft.com/office/drawing/2014/main" id="{23AF5DDB-0083-4207-81FD-9247261844D9}"/>
+              </a:ext>
+            </a:extLst>
+          </p:cNvPr>
+          <p:cNvPicPr>
+            <a:picLocks noChangeAspect="1" noChangeArrowheads="1"/>
+          </p:cNvPicPr>
+          <p:nvPr/>
+        </p:nvPicPr>
+        <p:blipFill rotWithShape="1">
+          <a:blip r:embed="rId2">
+            <a:extLst>
+              <a:ext uri="{28A0092B-C50C-407E-A947-70E740481C1C}">
+                <a14:useLocalDpi xmlns:a14="http://schemas.microsoft.com/office/drawing/2010/main" val="0"/>
+              </a:ext>
+            </a:extLst>
+          </a:blip>
+          <a:srcRect l="8824" t="10269" r="5503" b="39371"/>
+          <a:stretch/>
+        </p:blipFill>
+        <p:spPr bwMode="auto">
+          <a:xfrm>
+            <a:off x="4078991" y="3195941"/>
+            <a:ext cx="1730461" cy="682826"/>
+          </a:xfrm>
+          <a:prstGeom prst="rect">
+            <a:avLst/>
+          </a:prstGeom>
+          <a:noFill/>
+          <a:extLst>
+            <a:ext uri="{909E8E84-426E-40DD-AFC4-6F175D3DCCD1}">
+              <a14:hiddenFill xmlns:a14="http://schemas.microsoft.com/office/drawing/2010/main">
+                <a:solidFill>
+                  <a:srgbClr val="FFFFFF"/>
+                </a:solidFill>
+              </a14:hiddenFill>
+            </a:ext>
+          </a:extLst>
+        </p:spPr>
+      </p:pic>
+      <p:pic>
+        <p:nvPicPr>
+          <p:cNvPr id="1032" name="Picture 8" descr="Cognitive Speech Services | Microsoft Azure">
+            <a:extLst>
+              <a:ext uri="{FF2B5EF4-FFF2-40B4-BE49-F238E27FC236}">
+                <a16:creationId xmlns:a16="http://schemas.microsoft.com/office/drawing/2014/main" id="{6D182703-215C-4023-8D35-49AFD7C0B6DB}"/>
+              </a:ext>
+            </a:extLst>
+          </p:cNvPr>
+          <p:cNvPicPr>
+            <a:picLocks noChangeAspect="1" noChangeArrowheads="1"/>
+          </p:cNvPicPr>
+          <p:nvPr/>
+        </p:nvPicPr>
+        <p:blipFill>
+          <a:blip r:embed="rId3">
+            <a:extLst>
+              <a:ext uri="{28A0092B-C50C-407E-A947-70E740481C1C}">
+                <a14:useLocalDpi xmlns:a14="http://schemas.microsoft.com/office/drawing/2010/main" val="0"/>
+              </a:ext>
+            </a:extLst>
+          </a:blip>
+          <a:srcRect/>
+          <a:stretch>
+            <a:fillRect/>
+          </a:stretch>
+        </p:blipFill>
+        <p:spPr bwMode="auto">
+          <a:xfrm>
+            <a:off x="6625097" y="3112223"/>
+            <a:ext cx="1670827" cy="1027170"/>
+          </a:xfrm>
+          <a:prstGeom prst="rect">
+            <a:avLst/>
+          </a:prstGeom>
+          <a:noFill/>
+          <a:extLst>
+            <a:ext uri="{909E8E84-426E-40DD-AFC4-6F175D3DCCD1}">
+              <a14:hiddenFill xmlns:a14="http://schemas.microsoft.com/office/drawing/2010/main">
+                <a:solidFill>
+                  <a:srgbClr val="FFFFFF"/>
+                </a:solidFill>
+              </a14:hiddenFill>
+            </a:ext>
+          </a:extLst>
+        </p:spPr>
+      </p:pic>
+      <p:sp>
+        <p:nvSpPr>
+          <p:cNvPr id="42" name="TextBox 41">
+            <a:extLst>
+              <a:ext uri="{FF2B5EF4-FFF2-40B4-BE49-F238E27FC236}">
+                <a16:creationId xmlns:a16="http://schemas.microsoft.com/office/drawing/2014/main" id="{FACE4584-51A3-40CC-A880-6AA150CC71E0}"/>
+              </a:ext>
+            </a:extLst>
+          </p:cNvPr>
+          <p:cNvSpPr txBox="1"/>
+          <p:nvPr/>
+        </p:nvSpPr>
+        <p:spPr>
+          <a:xfrm>
+            <a:off x="6435133" y="3976270"/>
+            <a:ext cx="2027282" cy="428259"/>
+          </a:xfrm>
+          <a:prstGeom prst="rect">
+            <a:avLst/>
+          </a:prstGeom>
+          <a:noFill/>
+        </p:spPr>
+        <p:txBody>
+          <a:bodyPr wrap="square" rtlCol="0">
+            <a:spAutoFit/>
+          </a:bodyPr>
+          <a:lstStyle/>
+          <a:p>
+            <a:r>
+              <a:rPr lang="en-IN" sz="2183" b="1" dirty="0"/>
+              <a:t>Text-to-speech</a:t>
+            </a:r>
+          </a:p>
+        </p:txBody>
+      </p:sp>
+      <p:pic>
+        <p:nvPicPr>
+          <p:cNvPr id="1034" name="Picture 10" descr="Speech service documentation - Azure Cognitive Services ...">
+            <a:extLst>
+              <a:ext uri="{FF2B5EF4-FFF2-40B4-BE49-F238E27FC236}">
+                <a16:creationId xmlns:a16="http://schemas.microsoft.com/office/drawing/2014/main" id="{FC0EF94E-842C-408C-A836-1F512D45D852}"/>
+              </a:ext>
+            </a:extLst>
+          </p:cNvPr>
+          <p:cNvPicPr>
+            <a:picLocks noChangeAspect="1" noChangeArrowheads="1"/>
+          </p:cNvPicPr>
+          <p:nvPr/>
+        </p:nvPicPr>
+        <p:blipFill rotWithShape="1">
+          <a:blip r:embed="rId4">
+            <a:extLst>
+              <a:ext uri="{28A0092B-C50C-407E-A947-70E740481C1C}">
+                <a14:useLocalDpi xmlns:a14="http://schemas.microsoft.com/office/drawing/2010/main" val="0"/>
+              </a:ext>
+            </a:extLst>
+          </a:blip>
+          <a:srcRect l="24114" t="16039" r="25193"/>
+          <a:stretch/>
+        </p:blipFill>
+        <p:spPr bwMode="auto">
+          <a:xfrm>
+            <a:off x="8985672" y="3112224"/>
+            <a:ext cx="2010166" cy="967596"/>
+          </a:xfrm>
+          <a:prstGeom prst="rect">
+            <a:avLst/>
+          </a:prstGeom>
+          <a:noFill/>
+          <a:extLst>
+            <a:ext uri="{909E8E84-426E-40DD-AFC4-6F175D3DCCD1}">
+              <a14:hiddenFill xmlns:a14="http://schemas.microsoft.com/office/drawing/2010/main">
+                <a:solidFill>
+                  <a:srgbClr val="FFFFFF"/>
+                </a:solidFill>
+              </a14:hiddenFill>
+            </a:ext>
+          </a:extLst>
+        </p:spPr>
+      </p:pic>
+      <p:sp>
+        <p:nvSpPr>
+          <p:cNvPr id="49" name="TextBox 48">
+            <a:extLst>
+              <a:ext uri="{FF2B5EF4-FFF2-40B4-BE49-F238E27FC236}">
+                <a16:creationId xmlns:a16="http://schemas.microsoft.com/office/drawing/2014/main" id="{2BE2C63E-C8BA-4032-88D3-3D00FE0BF377}"/>
+              </a:ext>
+            </a:extLst>
+          </p:cNvPr>
+          <p:cNvSpPr txBox="1"/>
+          <p:nvPr/>
+        </p:nvSpPr>
+        <p:spPr>
+          <a:xfrm>
+            <a:off x="9392299" y="3803965"/>
+            <a:ext cx="2027282" cy="668132"/>
+          </a:xfrm>
+          <a:prstGeom prst="rect">
+            <a:avLst/>
+          </a:prstGeom>
+          <a:noFill/>
+        </p:spPr>
+        <p:txBody>
+          <a:bodyPr wrap="square" rtlCol="0">
+            <a:spAutoFit/>
+          </a:bodyPr>
+          <a:lstStyle/>
+          <a:p>
+            <a:r>
+              <a:rPr lang="en-IN" sz="1871" b="1" dirty="0"/>
+              <a:t>Speech Recognition</a:t>
+            </a:r>
+          </a:p>
+        </p:txBody>
+      </p:sp>
+      <p:cxnSp>
+        <p:nvCxnSpPr>
+          <p:cNvPr id="45" name="Straight Arrow Connector 44">
+            <a:extLst>
+              <a:ext uri="{FF2B5EF4-FFF2-40B4-BE49-F238E27FC236}">
+                <a16:creationId xmlns:a16="http://schemas.microsoft.com/office/drawing/2014/main" id="{880FC014-ACE9-4EB0-A718-E959E6E803AF}"/>
+              </a:ext>
+            </a:extLst>
+          </p:cNvPr>
+          <p:cNvCxnSpPr>
+            <a:cxnSpLocks/>
+            <a:stCxn id="33" idx="0"/>
+          </p:cNvCxnSpPr>
+          <p:nvPr/>
+        </p:nvCxnSpPr>
+        <p:spPr>
+          <a:xfrm flipV="1">
+            <a:off x="2585233" y="3853450"/>
+            <a:ext cx="1359608" cy="25316"/>
+          </a:xfrm>
+          <a:prstGeom prst="straightConnector1">
+            <a:avLst/>
+          </a:prstGeom>
+          <a:ln>
+            <a:tailEnd type="triangle"/>
+          </a:ln>
+        </p:spPr>
+        <p:style>
+          <a:lnRef idx="1">
+            <a:schemeClr val="accent1"/>
+          </a:lnRef>
+          <a:fillRef idx="0">
+            <a:schemeClr val="accent1"/>
+          </a:fillRef>
+          <a:effectRef idx="0">
+            <a:schemeClr val="accent1"/>
+          </a:effectRef>
+          <a:fontRef idx="minor">
+            <a:schemeClr val="tx1"/>
+          </a:fontRef>
+        </p:style>
+      </p:cxnSp>
+      <p:cxnSp>
+        <p:nvCxnSpPr>
+          <p:cNvPr id="52" name="Straight Connector 51">
+            <a:extLst>
+              <a:ext uri="{FF2B5EF4-FFF2-40B4-BE49-F238E27FC236}">
+                <a16:creationId xmlns:a16="http://schemas.microsoft.com/office/drawing/2014/main" id="{637A0A66-8758-4072-BCA7-12B8AFD762EB}"/>
+              </a:ext>
+            </a:extLst>
+          </p:cNvPr>
+          <p:cNvCxnSpPr/>
+          <p:nvPr/>
+        </p:nvCxnSpPr>
+        <p:spPr>
+          <a:xfrm flipV="1">
+            <a:off x="5963738" y="3862274"/>
+            <a:ext cx="448425" cy="7665"/>
+          </a:xfrm>
+          <a:prstGeom prst="line">
+            <a:avLst/>
+          </a:prstGeom>
+        </p:spPr>
+        <p:style>
+          <a:lnRef idx="1">
+            <a:schemeClr val="accent1"/>
+          </a:lnRef>
+          <a:fillRef idx="0">
+            <a:schemeClr val="accent1"/>
+          </a:fillRef>
+          <a:effectRef idx="0">
+            <a:schemeClr val="accent1"/>
+          </a:effectRef>
+          <a:fontRef idx="minor">
+            <a:schemeClr val="tx1"/>
+          </a:fontRef>
+        </p:style>
+      </p:cxnSp>
+      <p:cxnSp>
+        <p:nvCxnSpPr>
+          <p:cNvPr id="53" name="Straight Connector 52">
+            <a:extLst>
+              <a:ext uri="{FF2B5EF4-FFF2-40B4-BE49-F238E27FC236}">
+                <a16:creationId xmlns:a16="http://schemas.microsoft.com/office/drawing/2014/main" id="{B23892BF-0B08-4C84-B3AD-72D6D619C84A}"/>
+              </a:ext>
+            </a:extLst>
+          </p:cNvPr>
+          <p:cNvCxnSpPr/>
+          <p:nvPr/>
+        </p:nvCxnSpPr>
+        <p:spPr>
+          <a:xfrm flipV="1">
+            <a:off x="8510878" y="3833074"/>
+            <a:ext cx="448425" cy="7665"/>
+          </a:xfrm>
+          <a:prstGeom prst="line">
+            <a:avLst/>
+          </a:prstGeom>
+        </p:spPr>
+        <p:style>
+          <a:lnRef idx="1">
+            <a:schemeClr val="accent1"/>
+          </a:lnRef>
+          <a:fillRef idx="0">
+            <a:schemeClr val="accent1"/>
+          </a:fillRef>
+          <a:effectRef idx="0">
+            <a:schemeClr val="accent1"/>
+          </a:effectRef>
+          <a:fontRef idx="minor">
+            <a:schemeClr val="tx1"/>
+          </a:fontRef>
+        </p:style>
+      </p:cxnSp>
+      <p:cxnSp>
+        <p:nvCxnSpPr>
+          <p:cNvPr id="57" name="Straight Connector 56">
+            <a:extLst>
+              <a:ext uri="{FF2B5EF4-FFF2-40B4-BE49-F238E27FC236}">
+                <a16:creationId xmlns:a16="http://schemas.microsoft.com/office/drawing/2014/main" id="{E24CA0DB-E676-4DF8-AF2D-72EEFB999F94}"/>
+              </a:ext>
+            </a:extLst>
+          </p:cNvPr>
+          <p:cNvCxnSpPr/>
+          <p:nvPr/>
+        </p:nvCxnSpPr>
+        <p:spPr>
+          <a:xfrm flipV="1">
+            <a:off x="11012943" y="3848281"/>
+            <a:ext cx="448425" cy="7665"/>
+          </a:xfrm>
+          <a:prstGeom prst="line">
+            <a:avLst/>
+          </a:prstGeom>
+        </p:spPr>
+        <p:style>
+          <a:lnRef idx="1">
+            <a:schemeClr val="accent1"/>
+          </a:lnRef>
+          <a:fillRef idx="0">
+            <a:schemeClr val="accent1"/>
+          </a:fillRef>
+          <a:effectRef idx="0">
+            <a:schemeClr val="accent1"/>
+          </a:effectRef>
+          <a:fontRef idx="minor">
+            <a:schemeClr val="tx1"/>
+          </a:fontRef>
+        </p:style>
+      </p:cxnSp>
+      <p:pic>
+        <p:nvPicPr>
+          <p:cNvPr id="1036" name="Picture 12" descr="Azure Text Analytics API | Drupal.org">
+            <a:extLst>
+              <a:ext uri="{FF2B5EF4-FFF2-40B4-BE49-F238E27FC236}">
+                <a16:creationId xmlns:a16="http://schemas.microsoft.com/office/drawing/2014/main" id="{7ED03EDC-1D3D-4356-9CD0-C96135D8E998}"/>
+              </a:ext>
+            </a:extLst>
+          </p:cNvPr>
+          <p:cNvPicPr>
+            <a:picLocks noChangeAspect="1" noChangeArrowheads="1"/>
+          </p:cNvPicPr>
+          <p:nvPr/>
+        </p:nvPicPr>
+        <p:blipFill>
+          <a:blip r:embed="rId5">
+            <a:extLst>
+              <a:ext uri="{28A0092B-C50C-407E-A947-70E740481C1C}">
+                <a14:useLocalDpi xmlns:a14="http://schemas.microsoft.com/office/drawing/2010/main" val="0"/>
+              </a:ext>
+            </a:extLst>
+          </a:blip>
+          <a:srcRect/>
+          <a:stretch>
+            <a:fillRect/>
+          </a:stretch>
+        </p:blipFill>
+        <p:spPr bwMode="auto">
+          <a:xfrm>
+            <a:off x="11564705" y="3137104"/>
+            <a:ext cx="1977328" cy="956297"/>
+          </a:xfrm>
+          <a:prstGeom prst="rect">
+            <a:avLst/>
+          </a:prstGeom>
+          <a:noFill/>
+          <a:extLst>
+            <a:ext uri="{909E8E84-426E-40DD-AFC4-6F175D3DCCD1}">
+              <a14:hiddenFill xmlns:a14="http://schemas.microsoft.com/office/drawing/2010/main">
+                <a:solidFill>
+                  <a:srgbClr val="FFFFFF"/>
+                </a:solidFill>
+              </a14:hiddenFill>
+            </a:ext>
+          </a:extLst>
+        </p:spPr>
+      </p:pic>
+      <p:sp>
+        <p:nvSpPr>
+          <p:cNvPr id="60" name="TextBox 59">
+            <a:extLst>
+              <a:ext uri="{FF2B5EF4-FFF2-40B4-BE49-F238E27FC236}">
+                <a16:creationId xmlns:a16="http://schemas.microsoft.com/office/drawing/2014/main" id="{92FFA840-ED88-461F-9015-69E5253BB547}"/>
+              </a:ext>
+            </a:extLst>
+          </p:cNvPr>
+          <p:cNvSpPr txBox="1"/>
+          <p:nvPr/>
+        </p:nvSpPr>
+        <p:spPr>
+          <a:xfrm>
+            <a:off x="11559722" y="3988758"/>
+            <a:ext cx="2027282" cy="428259"/>
+          </a:xfrm>
+          <a:prstGeom prst="rect">
+            <a:avLst/>
+          </a:prstGeom>
+          <a:noFill/>
+        </p:spPr>
+        <p:txBody>
+          <a:bodyPr wrap="square" rtlCol="0">
+            <a:spAutoFit/>
+          </a:bodyPr>
+          <a:lstStyle/>
+          <a:p>
+            <a:r>
+              <a:rPr lang="en-IN" sz="2183" b="1" dirty="0"/>
+              <a:t>Text Analytics</a:t>
+            </a:r>
+          </a:p>
+        </p:txBody>
+      </p:sp>
+      <p:cxnSp>
+        <p:nvCxnSpPr>
+          <p:cNvPr id="51" name="Straight Connector 50">
+            <a:extLst>
+              <a:ext uri="{FF2B5EF4-FFF2-40B4-BE49-F238E27FC236}">
+                <a16:creationId xmlns:a16="http://schemas.microsoft.com/office/drawing/2014/main" id="{2CABF0CF-03A8-42CF-81A6-24D155742FA3}"/>
+              </a:ext>
+            </a:extLst>
+          </p:cNvPr>
+          <p:cNvCxnSpPr/>
+          <p:nvPr/>
+        </p:nvCxnSpPr>
+        <p:spPr>
+          <a:xfrm>
+            <a:off x="3944841" y="4468658"/>
+            <a:ext cx="2041883" cy="0"/>
+          </a:xfrm>
+          <a:prstGeom prst="line">
+            <a:avLst/>
+          </a:prstGeom>
+          <a:ln/>
+        </p:spPr>
+        <p:style>
+          <a:lnRef idx="2">
+            <a:schemeClr val="dk1"/>
+          </a:lnRef>
+          <a:fillRef idx="0">
+            <a:schemeClr val="dk1"/>
+          </a:fillRef>
+          <a:effectRef idx="1">
+            <a:schemeClr val="dk1"/>
+          </a:effectRef>
+          <a:fontRef idx="minor">
+            <a:schemeClr val="tx1"/>
+          </a:fontRef>
+        </p:style>
+      </p:cxnSp>
+      <p:cxnSp>
+        <p:nvCxnSpPr>
+          <p:cNvPr id="63" name="Straight Connector 62">
+            <a:extLst>
+              <a:ext uri="{FF2B5EF4-FFF2-40B4-BE49-F238E27FC236}">
+                <a16:creationId xmlns:a16="http://schemas.microsoft.com/office/drawing/2014/main" id="{8CC57396-9A03-4393-AD77-288729B626F4}"/>
+              </a:ext>
+            </a:extLst>
+          </p:cNvPr>
+          <p:cNvCxnSpPr/>
+          <p:nvPr/>
+        </p:nvCxnSpPr>
+        <p:spPr>
+          <a:xfrm>
+            <a:off x="6456704" y="4468658"/>
+            <a:ext cx="2041883" cy="0"/>
+          </a:xfrm>
+          <a:prstGeom prst="line">
+            <a:avLst/>
+          </a:prstGeom>
+          <a:ln/>
+        </p:spPr>
+        <p:style>
+          <a:lnRef idx="2">
+            <a:schemeClr val="dk1"/>
+          </a:lnRef>
+          <a:fillRef idx="0">
+            <a:schemeClr val="dk1"/>
+          </a:fillRef>
+          <a:effectRef idx="1">
+            <a:schemeClr val="dk1"/>
+          </a:effectRef>
+          <a:fontRef idx="minor">
+            <a:schemeClr val="tx1"/>
+          </a:fontRef>
+        </p:style>
+      </p:cxnSp>
+      <p:cxnSp>
+        <p:nvCxnSpPr>
+          <p:cNvPr id="64" name="Straight Connector 63">
+            <a:extLst>
+              <a:ext uri="{FF2B5EF4-FFF2-40B4-BE49-F238E27FC236}">
+                <a16:creationId xmlns:a16="http://schemas.microsoft.com/office/drawing/2014/main" id="{06D53CC4-45E8-4803-8B84-0A856D0E7284}"/>
+              </a:ext>
+            </a:extLst>
+          </p:cNvPr>
+          <p:cNvCxnSpPr/>
+          <p:nvPr/>
+        </p:nvCxnSpPr>
+        <p:spPr>
+          <a:xfrm>
+            <a:off x="9011679" y="4468658"/>
+            <a:ext cx="2041883" cy="0"/>
+          </a:xfrm>
+          <a:prstGeom prst="line">
+            <a:avLst/>
+          </a:prstGeom>
+          <a:ln/>
+        </p:spPr>
+        <p:style>
+          <a:lnRef idx="2">
+            <a:schemeClr val="dk1"/>
+          </a:lnRef>
+          <a:fillRef idx="0">
+            <a:schemeClr val="dk1"/>
+          </a:fillRef>
+          <a:effectRef idx="1">
+            <a:schemeClr val="dk1"/>
+          </a:effectRef>
+          <a:fontRef idx="minor">
+            <a:schemeClr val="tx1"/>
+          </a:fontRef>
+        </p:style>
+      </p:cxnSp>
+      <p:cxnSp>
+        <p:nvCxnSpPr>
+          <p:cNvPr id="65" name="Straight Connector 64">
+            <a:extLst>
+              <a:ext uri="{FF2B5EF4-FFF2-40B4-BE49-F238E27FC236}">
+                <a16:creationId xmlns:a16="http://schemas.microsoft.com/office/drawing/2014/main" id="{D3AA9436-ABCF-4CA4-AA2F-8CF437B8980A}"/>
+              </a:ext>
+            </a:extLst>
+          </p:cNvPr>
+          <p:cNvCxnSpPr/>
+          <p:nvPr/>
+        </p:nvCxnSpPr>
+        <p:spPr>
+          <a:xfrm>
+            <a:off x="11559722" y="4468658"/>
+            <a:ext cx="2041883" cy="0"/>
+          </a:xfrm>
+          <a:prstGeom prst="line">
+            <a:avLst/>
+          </a:prstGeom>
+          <a:ln>
+            <a:solidFill>
+              <a:schemeClr val="tx1"/>
+            </a:solidFill>
+          </a:ln>
+        </p:spPr>
+        <p:style>
+          <a:lnRef idx="1">
+            <a:schemeClr val="accent1"/>
+          </a:lnRef>
+          <a:fillRef idx="0">
+            <a:schemeClr val="accent1"/>
+          </a:fillRef>
+          <a:effectRef idx="0">
+            <a:schemeClr val="accent1"/>
+          </a:effectRef>
+          <a:fontRef idx="minor">
+            <a:schemeClr val="tx1"/>
+          </a:fontRef>
+        </p:style>
+      </p:cxnSp>
+      <p:sp>
+        <p:nvSpPr>
+          <p:cNvPr id="66" name="Oval 65">
+            <a:extLst>
+              <a:ext uri="{FF2B5EF4-FFF2-40B4-BE49-F238E27FC236}">
+                <a16:creationId xmlns:a16="http://schemas.microsoft.com/office/drawing/2014/main" id="{92677FC8-8206-4B7D-A468-080F566C0EF1}"/>
+              </a:ext>
+            </a:extLst>
+          </p:cNvPr>
+          <p:cNvSpPr/>
+          <p:nvPr/>
+        </p:nvSpPr>
+        <p:spPr>
+          <a:xfrm>
+            <a:off x="7708672" y="9888479"/>
+            <a:ext cx="2606009" cy="766543"/>
+          </a:xfrm>
+          <a:prstGeom prst="ellipse">
+            <a:avLst/>
+          </a:prstGeom>
+          <a:solidFill>
+            <a:schemeClr val="bg1"/>
+          </a:solidFill>
+        </p:spPr>
+        <p:style>
+          <a:lnRef idx="2">
+            <a:schemeClr val="accent1">
+              <a:shade val="50000"/>
+            </a:schemeClr>
+          </a:lnRef>
+          <a:fillRef idx="1">
+            <a:schemeClr val="accent1"/>
+          </a:fillRef>
+          <a:effectRef idx="0">
+            <a:schemeClr val="accent1"/>
+          </a:effectRef>
+          <a:fontRef idx="minor">
+            <a:schemeClr val="lt1"/>
+          </a:fontRef>
+        </p:style>
+        <p:txBody>
+          <a:bodyPr rot="0" spcFirstLastPara="0" vertOverflow="overflow" horzOverflow="overflow" vert="horz" wrap="square" lIns="142577" tIns="71289" rIns="142577" bIns="71289" numCol="1" spcCol="0" rtlCol="0" fromWordArt="0" anchor="ctr" anchorCtr="0" forceAA="0" compatLnSpc="1">
+            <a:prstTxWarp prst="textNoShape">
+              <a:avLst/>
+            </a:prstTxWarp>
+            <a:noAutofit/>
+          </a:bodyPr>
+          <a:lstStyle/>
+          <a:p>
+            <a:pPr algn="ctr"/>
+            <a:r>
+              <a:rPr lang="en-IN" sz="2807" b="1" dirty="0">
+                <a:solidFill>
+                  <a:schemeClr val="tx1"/>
+                </a:solidFill>
+              </a:rPr>
+              <a:t>END</a:t>
+            </a:r>
+          </a:p>
+        </p:txBody>
+      </p:sp>
+      <p:cxnSp>
+        <p:nvCxnSpPr>
+          <p:cNvPr id="56" name="Straight Connector 55">
+            <a:extLst>
+              <a:ext uri="{FF2B5EF4-FFF2-40B4-BE49-F238E27FC236}">
+                <a16:creationId xmlns:a16="http://schemas.microsoft.com/office/drawing/2014/main" id="{35830DEF-8E30-41CB-8655-3AD41F6A4E0A}"/>
+              </a:ext>
+            </a:extLst>
+          </p:cNvPr>
+          <p:cNvCxnSpPr>
+            <a:cxnSpLocks/>
+          </p:cNvCxnSpPr>
+          <p:nvPr/>
+        </p:nvCxnSpPr>
+        <p:spPr>
+          <a:xfrm flipV="1">
+            <a:off x="4476621" y="9572081"/>
+            <a:ext cx="8753943" cy="12485"/>
+          </a:xfrm>
+          <a:prstGeom prst="line">
+            <a:avLst/>
+          </a:prstGeom>
+        </p:spPr>
+        <p:style>
+          <a:lnRef idx="1">
+            <a:schemeClr val="accent1"/>
+          </a:lnRef>
+          <a:fillRef idx="0">
+            <a:schemeClr val="accent1"/>
+          </a:fillRef>
+          <a:effectRef idx="0">
+            <a:schemeClr val="accent1"/>
+          </a:effectRef>
+          <a:fontRef idx="minor">
+            <a:schemeClr val="tx1"/>
+          </a:fontRef>
+        </p:style>
+      </p:cxnSp>
+      <p:cxnSp>
+        <p:nvCxnSpPr>
+          <p:cNvPr id="61" name="Straight Connector 60">
+            <a:extLst>
+              <a:ext uri="{FF2B5EF4-FFF2-40B4-BE49-F238E27FC236}">
+                <a16:creationId xmlns:a16="http://schemas.microsoft.com/office/drawing/2014/main" id="{9387330E-30F7-4409-B3F9-7EDF6AE81B07}"/>
+              </a:ext>
+            </a:extLst>
+          </p:cNvPr>
+          <p:cNvCxnSpPr>
+            <a:stCxn id="27" idx="2"/>
+          </p:cNvCxnSpPr>
+          <p:nvPr/>
+        </p:nvCxnSpPr>
+        <p:spPr>
+          <a:xfrm>
+            <a:off x="4944223" y="9167927"/>
+            <a:ext cx="21558" cy="460227"/>
+          </a:xfrm>
+          <a:prstGeom prst="line">
+            <a:avLst/>
+          </a:prstGeom>
+        </p:spPr>
+        <p:style>
+          <a:lnRef idx="1">
+            <a:schemeClr val="accent1"/>
+          </a:lnRef>
+          <a:fillRef idx="0">
+            <a:schemeClr val="accent1"/>
+          </a:fillRef>
+          <a:effectRef idx="0">
+            <a:schemeClr val="accent1"/>
+          </a:effectRef>
+          <a:fontRef idx="minor">
+            <a:schemeClr val="tx1"/>
+          </a:fontRef>
+        </p:style>
+      </p:cxnSp>
+      <p:cxnSp>
+        <p:nvCxnSpPr>
+          <p:cNvPr id="74" name="Straight Connector 73">
+            <a:extLst>
+              <a:ext uri="{FF2B5EF4-FFF2-40B4-BE49-F238E27FC236}">
+                <a16:creationId xmlns:a16="http://schemas.microsoft.com/office/drawing/2014/main" id="{E51EA30D-380D-428C-AB7D-63C962B175FD}"/>
+              </a:ext>
+            </a:extLst>
+          </p:cNvPr>
+          <p:cNvCxnSpPr/>
+          <p:nvPr/>
+        </p:nvCxnSpPr>
+        <p:spPr>
+          <a:xfrm>
+            <a:off x="7544463" y="9180415"/>
+            <a:ext cx="21558" cy="460227"/>
+          </a:xfrm>
+          <a:prstGeom prst="line">
+            <a:avLst/>
+          </a:prstGeom>
+        </p:spPr>
+        <p:style>
+          <a:lnRef idx="1">
+            <a:schemeClr val="accent1"/>
+          </a:lnRef>
+          <a:fillRef idx="0">
+            <a:schemeClr val="accent1"/>
+          </a:fillRef>
+          <a:effectRef idx="0">
+            <a:schemeClr val="accent1"/>
+          </a:effectRef>
+          <a:fontRef idx="minor">
+            <a:schemeClr val="tx1"/>
+          </a:fontRef>
+        </p:style>
+      </p:cxnSp>
+      <p:cxnSp>
+        <p:nvCxnSpPr>
+          <p:cNvPr id="75" name="Straight Connector 74">
+            <a:extLst>
+              <a:ext uri="{FF2B5EF4-FFF2-40B4-BE49-F238E27FC236}">
+                <a16:creationId xmlns:a16="http://schemas.microsoft.com/office/drawing/2014/main" id="{5183F27D-BD0F-4084-AE80-9793F663C73C}"/>
+              </a:ext>
+            </a:extLst>
+          </p:cNvPr>
+          <p:cNvCxnSpPr/>
+          <p:nvPr/>
+        </p:nvCxnSpPr>
+        <p:spPr>
+          <a:xfrm>
+            <a:off x="9949630" y="9145054"/>
+            <a:ext cx="21558" cy="460227"/>
+          </a:xfrm>
+          <a:prstGeom prst="line">
+            <a:avLst/>
+          </a:prstGeom>
+        </p:spPr>
+        <p:style>
+          <a:lnRef idx="1">
+            <a:schemeClr val="accent1"/>
+          </a:lnRef>
+          <a:fillRef idx="0">
+            <a:schemeClr val="accent1"/>
+          </a:fillRef>
+          <a:effectRef idx="0">
+            <a:schemeClr val="accent1"/>
+          </a:effectRef>
+          <a:fontRef idx="minor">
+            <a:schemeClr val="tx1"/>
+          </a:fontRef>
+        </p:style>
+      </p:cxnSp>
+      <p:cxnSp>
+        <p:nvCxnSpPr>
+          <p:cNvPr id="76" name="Straight Connector 75">
+            <a:extLst>
+              <a:ext uri="{FF2B5EF4-FFF2-40B4-BE49-F238E27FC236}">
+                <a16:creationId xmlns:a16="http://schemas.microsoft.com/office/drawing/2014/main" id="{45BE4D41-9687-40A3-9BFA-E640A8471546}"/>
+              </a:ext>
+            </a:extLst>
+          </p:cNvPr>
+          <p:cNvCxnSpPr/>
+          <p:nvPr/>
+        </p:nvCxnSpPr>
+        <p:spPr>
+          <a:xfrm>
+            <a:off x="12333238" y="9111850"/>
+            <a:ext cx="21558" cy="460227"/>
+          </a:xfrm>
+          <a:prstGeom prst="line">
+            <a:avLst/>
+          </a:prstGeom>
+        </p:spPr>
+        <p:style>
+          <a:lnRef idx="1">
+            <a:schemeClr val="accent1"/>
+          </a:lnRef>
+          <a:fillRef idx="0">
+            <a:schemeClr val="accent1"/>
+          </a:fillRef>
+          <a:effectRef idx="0">
+            <a:schemeClr val="accent1"/>
+          </a:effectRef>
+          <a:fontRef idx="minor">
+            <a:schemeClr val="tx1"/>
+          </a:fontRef>
+        </p:style>
+      </p:cxnSp>
+      <p:cxnSp>
+        <p:nvCxnSpPr>
+          <p:cNvPr id="73" name="Straight Arrow Connector 72">
+            <a:extLst>
+              <a:ext uri="{FF2B5EF4-FFF2-40B4-BE49-F238E27FC236}">
+                <a16:creationId xmlns:a16="http://schemas.microsoft.com/office/drawing/2014/main" id="{0FEEEE3C-2ACC-46A3-9650-C822F73DD2C1}"/>
+              </a:ext>
+            </a:extLst>
+          </p:cNvPr>
+          <p:cNvCxnSpPr>
+            <a:endCxn id="66" idx="0"/>
+          </p:cNvCxnSpPr>
+          <p:nvPr/>
+        </p:nvCxnSpPr>
+        <p:spPr>
+          <a:xfrm>
+            <a:off x="9011677" y="9572077"/>
+            <a:ext cx="0" cy="316402"/>
+          </a:xfrm>
+          <a:prstGeom prst="straightConnector1">
+            <a:avLst/>
+          </a:prstGeom>
+          <a:ln>
+            <a:tailEnd type="triangle"/>
+          </a:ln>
+        </p:spPr>
+        <p:style>
+          <a:lnRef idx="1">
+            <a:schemeClr val="accent1"/>
+          </a:lnRef>
+          <a:fillRef idx="0">
+            <a:schemeClr val="accent1"/>
+          </a:fillRef>
+          <a:effectRef idx="0">
+            <a:schemeClr val="accent1"/>
+          </a:effectRef>
+          <a:fontRef idx="minor">
+            <a:schemeClr val="tx1"/>
+          </a:fontRef>
+        </p:style>
+      </p:cxnSp>
+      <p:sp>
+        <p:nvSpPr>
+          <p:cNvPr id="84" name="TextBox 83">
+            <a:extLst>
+              <a:ext uri="{FF2B5EF4-FFF2-40B4-BE49-F238E27FC236}">
+                <a16:creationId xmlns:a16="http://schemas.microsoft.com/office/drawing/2014/main" id="{B21692FD-C28B-4DC8-A80D-BF04FB84A644}"/>
+              </a:ext>
+            </a:extLst>
+          </p:cNvPr>
+          <p:cNvSpPr txBox="1"/>
+          <p:nvPr/>
+        </p:nvSpPr>
+        <p:spPr>
+          <a:xfrm>
+            <a:off x="1018371" y="5659529"/>
+            <a:ext cx="1908687" cy="524311"/>
+          </a:xfrm>
+          <a:prstGeom prst="rect">
+            <a:avLst/>
+          </a:prstGeom>
+          <a:noFill/>
+        </p:spPr>
+        <p:txBody>
+          <a:bodyPr wrap="square" rtlCol="0">
+            <a:spAutoFit/>
+          </a:bodyPr>
+          <a:lstStyle/>
+          <a:p>
+            <a:r>
+              <a:rPr lang="en-IN" sz="2807" dirty="0">
+                <a:solidFill>
+                  <a:schemeClr val="accent1">
+                    <a:lumMod val="50000"/>
+                  </a:schemeClr>
+                </a:solidFill>
+              </a:rPr>
+              <a:t>PROCESS</a:t>
+            </a:r>
+          </a:p>
+        </p:txBody>
+      </p:sp>
+      <p:cxnSp>
+        <p:nvCxnSpPr>
+          <p:cNvPr id="87" name="Straight Arrow Connector 86">
+            <a:extLst>
+              <a:ext uri="{FF2B5EF4-FFF2-40B4-BE49-F238E27FC236}">
+                <a16:creationId xmlns:a16="http://schemas.microsoft.com/office/drawing/2014/main" id="{133696D5-BE54-4C84-8209-D3BA23C10D5B}"/>
+              </a:ext>
+            </a:extLst>
+          </p:cNvPr>
+          <p:cNvCxnSpPr/>
+          <p:nvPr/>
+        </p:nvCxnSpPr>
+        <p:spPr>
+          <a:xfrm>
+            <a:off x="4925058" y="4468658"/>
+            <a:ext cx="0" cy="316402"/>
+          </a:xfrm>
+          <a:prstGeom prst="straightConnector1">
+            <a:avLst/>
+          </a:prstGeom>
+          <a:ln>
+            <a:tailEnd type="triangle"/>
+          </a:ln>
+        </p:spPr>
+        <p:style>
+          <a:lnRef idx="1">
+            <a:schemeClr val="accent1"/>
+          </a:lnRef>
+          <a:fillRef idx="0">
+            <a:schemeClr val="accent1"/>
+          </a:fillRef>
+          <a:effectRef idx="0">
+            <a:schemeClr val="accent1"/>
+          </a:effectRef>
+          <a:fontRef idx="minor">
+            <a:schemeClr val="tx1"/>
+          </a:fontRef>
+        </p:style>
+      </p:cxnSp>
+      <p:cxnSp>
+        <p:nvCxnSpPr>
+          <p:cNvPr id="88" name="Straight Arrow Connector 87">
+            <a:extLst>
+              <a:ext uri="{FF2B5EF4-FFF2-40B4-BE49-F238E27FC236}">
+                <a16:creationId xmlns:a16="http://schemas.microsoft.com/office/drawing/2014/main" id="{3FD8CDF4-01C6-42A8-BC55-8EB2290C6DEA}"/>
+              </a:ext>
+            </a:extLst>
+          </p:cNvPr>
+          <p:cNvCxnSpPr/>
+          <p:nvPr/>
+        </p:nvCxnSpPr>
+        <p:spPr>
+          <a:xfrm>
+            <a:off x="7448773" y="4468658"/>
+            <a:ext cx="0" cy="316402"/>
+          </a:xfrm>
+          <a:prstGeom prst="straightConnector1">
+            <a:avLst/>
+          </a:prstGeom>
+          <a:ln>
+            <a:tailEnd type="triangle"/>
+          </a:ln>
+        </p:spPr>
+        <p:style>
+          <a:lnRef idx="1">
+            <a:schemeClr val="accent1"/>
+          </a:lnRef>
+          <a:fillRef idx="0">
+            <a:schemeClr val="accent1"/>
+          </a:fillRef>
+          <a:effectRef idx="0">
+            <a:schemeClr val="accent1"/>
+          </a:effectRef>
+          <a:fontRef idx="minor">
+            <a:schemeClr val="tx1"/>
+          </a:fontRef>
+        </p:style>
+      </p:cxnSp>
+      <p:cxnSp>
+        <p:nvCxnSpPr>
+          <p:cNvPr id="89" name="Straight Arrow Connector 88">
+            <a:extLst>
+              <a:ext uri="{FF2B5EF4-FFF2-40B4-BE49-F238E27FC236}">
+                <a16:creationId xmlns:a16="http://schemas.microsoft.com/office/drawing/2014/main" id="{2C172925-A451-4FE8-BA25-30A06FA24194}"/>
+              </a:ext>
+            </a:extLst>
+          </p:cNvPr>
+          <p:cNvCxnSpPr/>
+          <p:nvPr/>
+        </p:nvCxnSpPr>
+        <p:spPr>
+          <a:xfrm>
+            <a:off x="9949630" y="4468658"/>
+            <a:ext cx="0" cy="316402"/>
+          </a:xfrm>
+          <a:prstGeom prst="straightConnector1">
+            <a:avLst/>
+          </a:prstGeom>
+          <a:ln>
+            <a:tailEnd type="triangle"/>
+          </a:ln>
+        </p:spPr>
+        <p:style>
+          <a:lnRef idx="1">
+            <a:schemeClr val="accent1"/>
+          </a:lnRef>
+          <a:fillRef idx="0">
+            <a:schemeClr val="accent1"/>
+          </a:fillRef>
+          <a:effectRef idx="0">
+            <a:schemeClr val="accent1"/>
+          </a:effectRef>
+          <a:fontRef idx="minor">
+            <a:schemeClr val="tx1"/>
+          </a:fontRef>
+        </p:style>
+      </p:cxnSp>
+      <p:cxnSp>
+        <p:nvCxnSpPr>
+          <p:cNvPr id="90" name="Straight Arrow Connector 89">
+            <a:extLst>
+              <a:ext uri="{FF2B5EF4-FFF2-40B4-BE49-F238E27FC236}">
+                <a16:creationId xmlns:a16="http://schemas.microsoft.com/office/drawing/2014/main" id="{0CE1417F-6FF8-4C0A-862A-731940EE5981}"/>
+              </a:ext>
+            </a:extLst>
+          </p:cNvPr>
+          <p:cNvCxnSpPr/>
+          <p:nvPr/>
+        </p:nvCxnSpPr>
+        <p:spPr>
+          <a:xfrm>
+            <a:off x="12560780" y="4456170"/>
+            <a:ext cx="0" cy="316402"/>
+          </a:xfrm>
+          <a:prstGeom prst="straightConnector1">
+            <a:avLst/>
+          </a:prstGeom>
+          <a:ln>
+            <a:tailEnd type="triangle"/>
+          </a:ln>
+        </p:spPr>
+        <p:style>
+          <a:lnRef idx="1">
+            <a:schemeClr val="accent1"/>
+          </a:lnRef>
+          <a:fillRef idx="0">
+            <a:schemeClr val="accent1"/>
+          </a:fillRef>
+          <a:effectRef idx="0">
+            <a:schemeClr val="accent1"/>
+          </a:effectRef>
+          <a:fontRef idx="minor">
+            <a:schemeClr val="tx1"/>
+          </a:fontRef>
+        </p:style>
+      </p:cxnSp>
+      <p:sp>
+        <p:nvSpPr>
+          <p:cNvPr id="92" name="TextBox 91">
+            <a:extLst>
+              <a:ext uri="{FF2B5EF4-FFF2-40B4-BE49-F238E27FC236}">
+                <a16:creationId xmlns:a16="http://schemas.microsoft.com/office/drawing/2014/main" id="{6F8B50D5-F1DB-4270-8A8E-4094C0EA0A80}"/>
+              </a:ext>
+            </a:extLst>
+          </p:cNvPr>
+          <p:cNvSpPr txBox="1"/>
+          <p:nvPr/>
+        </p:nvSpPr>
+        <p:spPr>
+          <a:xfrm>
+            <a:off x="4263934" y="4668909"/>
+            <a:ext cx="1545517" cy="764184"/>
+          </a:xfrm>
+          <a:prstGeom prst="rect">
+            <a:avLst/>
+          </a:prstGeom>
+          <a:noFill/>
+        </p:spPr>
+        <p:txBody>
+          <a:bodyPr wrap="square" rtlCol="0">
+            <a:spAutoFit/>
+          </a:bodyPr>
+          <a:lstStyle/>
+          <a:p>
+            <a:r>
+              <a:rPr lang="en-IN" sz="2183" dirty="0"/>
+              <a:t>Passage is provided</a:t>
+            </a:r>
+          </a:p>
+        </p:txBody>
+      </p:sp>
+      <p:sp>
+        <p:nvSpPr>
+          <p:cNvPr id="93" name="TextBox 92">
+            <a:extLst>
+              <a:ext uri="{FF2B5EF4-FFF2-40B4-BE49-F238E27FC236}">
+                <a16:creationId xmlns:a16="http://schemas.microsoft.com/office/drawing/2014/main" id="{BD585B0C-4331-4A3B-8A3B-201C643DD542}"/>
+              </a:ext>
+            </a:extLst>
+          </p:cNvPr>
+          <p:cNvSpPr txBox="1"/>
+          <p:nvPr/>
+        </p:nvSpPr>
+        <p:spPr>
+          <a:xfrm>
+            <a:off x="6860392" y="4736153"/>
+            <a:ext cx="1545517" cy="764184"/>
+          </a:xfrm>
+          <a:prstGeom prst="rect">
+            <a:avLst/>
+          </a:prstGeom>
+          <a:noFill/>
+        </p:spPr>
+        <p:txBody>
+          <a:bodyPr wrap="square" rtlCol="0">
+            <a:spAutoFit/>
+          </a:bodyPr>
+          <a:lstStyle/>
+          <a:p>
+            <a:r>
+              <a:rPr lang="en-IN" sz="2183" dirty="0"/>
+              <a:t>Audio is provided</a:t>
+            </a:r>
+          </a:p>
+        </p:txBody>
+      </p:sp>
+      <p:sp>
+        <p:nvSpPr>
+          <p:cNvPr id="94" name="TextBox 93">
+            <a:extLst>
+              <a:ext uri="{FF2B5EF4-FFF2-40B4-BE49-F238E27FC236}">
+                <a16:creationId xmlns:a16="http://schemas.microsoft.com/office/drawing/2014/main" id="{15A60394-4C58-4435-9021-FB2D55459C86}"/>
+              </a:ext>
+            </a:extLst>
+          </p:cNvPr>
+          <p:cNvSpPr txBox="1"/>
+          <p:nvPr/>
+        </p:nvSpPr>
+        <p:spPr>
+          <a:xfrm>
+            <a:off x="9370389" y="4707060"/>
+            <a:ext cx="1545517" cy="764184"/>
+          </a:xfrm>
+          <a:prstGeom prst="rect">
+            <a:avLst/>
+          </a:prstGeom>
+          <a:noFill/>
+        </p:spPr>
+        <p:txBody>
+          <a:bodyPr wrap="square" rtlCol="0">
+            <a:spAutoFit/>
+          </a:bodyPr>
+          <a:lstStyle/>
+          <a:p>
+            <a:r>
+              <a:rPr lang="en-IN" sz="2183" dirty="0"/>
+              <a:t>A Topic is provided</a:t>
+            </a:r>
+          </a:p>
+        </p:txBody>
+      </p:sp>
+      <p:sp>
+        <p:nvSpPr>
+          <p:cNvPr id="95" name="TextBox 94">
+            <a:extLst>
+              <a:ext uri="{FF2B5EF4-FFF2-40B4-BE49-F238E27FC236}">
+                <a16:creationId xmlns:a16="http://schemas.microsoft.com/office/drawing/2014/main" id="{4B201CC9-7384-4512-9195-774B1F00421E}"/>
+              </a:ext>
+            </a:extLst>
+          </p:cNvPr>
+          <p:cNvSpPr txBox="1"/>
+          <p:nvPr/>
+        </p:nvSpPr>
+        <p:spPr>
+          <a:xfrm>
+            <a:off x="11898892" y="4704598"/>
+            <a:ext cx="1545517" cy="764184"/>
+          </a:xfrm>
+          <a:prstGeom prst="rect">
+            <a:avLst/>
+          </a:prstGeom>
+          <a:noFill/>
+        </p:spPr>
+        <p:txBody>
+          <a:bodyPr wrap="square" rtlCol="0">
+            <a:spAutoFit/>
+          </a:bodyPr>
+          <a:lstStyle/>
+          <a:p>
+            <a:r>
+              <a:rPr lang="en-IN" sz="2183" dirty="0"/>
+              <a:t>Essay topic is provided</a:t>
+            </a:r>
+          </a:p>
+        </p:txBody>
+      </p:sp>
+      <p:sp>
+        <p:nvSpPr>
+          <p:cNvPr id="96" name="TextBox 95">
+            <a:extLst>
+              <a:ext uri="{FF2B5EF4-FFF2-40B4-BE49-F238E27FC236}">
+                <a16:creationId xmlns:a16="http://schemas.microsoft.com/office/drawing/2014/main" id="{0F34BB5D-D2F3-431B-88B3-A3F361C408AD}"/>
+              </a:ext>
+            </a:extLst>
+          </p:cNvPr>
+          <p:cNvSpPr txBox="1"/>
+          <p:nvPr/>
+        </p:nvSpPr>
+        <p:spPr>
+          <a:xfrm>
+            <a:off x="4032997" y="5641237"/>
+            <a:ext cx="2202848" cy="2107885"/>
+          </a:xfrm>
+          <a:prstGeom prst="rect">
+            <a:avLst/>
+          </a:prstGeom>
+          <a:noFill/>
+        </p:spPr>
+        <p:txBody>
+          <a:bodyPr wrap="square" rtlCol="0">
+            <a:spAutoFit/>
+          </a:bodyPr>
+          <a:lstStyle/>
+          <a:p>
+            <a:r>
+              <a:rPr lang="en-IN" sz="2183" dirty="0"/>
+              <a:t>Detail Reading with  Meaning,</a:t>
+            </a:r>
+          </a:p>
+          <a:p>
+            <a:r>
+              <a:rPr lang="en-IN" sz="2183" dirty="0"/>
+              <a:t>Pronunciation,</a:t>
+            </a:r>
+          </a:p>
+          <a:p>
+            <a:r>
+              <a:rPr lang="en-IN" sz="2183" dirty="0"/>
+              <a:t>Zoom Text,</a:t>
+            </a:r>
+          </a:p>
+          <a:p>
+            <a:r>
+              <a:rPr lang="en-IN" sz="2183" dirty="0"/>
+              <a:t>Clear View</a:t>
+            </a:r>
+          </a:p>
+          <a:p>
+            <a:endParaRPr lang="en-IN" sz="2183" dirty="0"/>
+          </a:p>
+        </p:txBody>
+      </p:sp>
+      <p:sp>
+        <p:nvSpPr>
+          <p:cNvPr id="97" name="TextBox 96">
+            <a:extLst>
+              <a:ext uri="{FF2B5EF4-FFF2-40B4-BE49-F238E27FC236}">
+                <a16:creationId xmlns:a16="http://schemas.microsoft.com/office/drawing/2014/main" id="{C2F4DF0D-C4D9-4660-B35F-F81A07E57852}"/>
+              </a:ext>
+            </a:extLst>
+          </p:cNvPr>
+          <p:cNvSpPr txBox="1"/>
+          <p:nvPr/>
+        </p:nvSpPr>
+        <p:spPr>
+          <a:xfrm>
+            <a:off x="6753267" y="5809261"/>
+            <a:ext cx="1545517" cy="1436034"/>
+          </a:xfrm>
+          <a:prstGeom prst="rect">
+            <a:avLst/>
+          </a:prstGeom>
+          <a:noFill/>
+        </p:spPr>
+        <p:txBody>
+          <a:bodyPr wrap="square" rtlCol="0">
+            <a:spAutoFit/>
+          </a:bodyPr>
+          <a:lstStyle/>
+          <a:p>
+            <a:r>
+              <a:rPr lang="en-IN" sz="2183" dirty="0"/>
+              <a:t>Automatic</a:t>
+            </a:r>
+          </a:p>
+          <a:p>
+            <a:r>
+              <a:rPr lang="en-IN" sz="2183" dirty="0"/>
+              <a:t>MCQ generation from audio </a:t>
+            </a:r>
+          </a:p>
+        </p:txBody>
+      </p:sp>
+      <p:sp>
+        <p:nvSpPr>
+          <p:cNvPr id="98" name="TextBox 97">
+            <a:extLst>
+              <a:ext uri="{FF2B5EF4-FFF2-40B4-BE49-F238E27FC236}">
+                <a16:creationId xmlns:a16="http://schemas.microsoft.com/office/drawing/2014/main" id="{31036D8C-DBF0-453E-999C-A2FF1960E878}"/>
+              </a:ext>
+            </a:extLst>
+          </p:cNvPr>
+          <p:cNvSpPr txBox="1"/>
+          <p:nvPr/>
+        </p:nvSpPr>
+        <p:spPr>
+          <a:xfrm>
+            <a:off x="6793263" y="7577684"/>
+            <a:ext cx="1545517" cy="764184"/>
+          </a:xfrm>
+          <a:prstGeom prst="rect">
+            <a:avLst/>
+          </a:prstGeom>
+          <a:noFill/>
+        </p:spPr>
+        <p:txBody>
+          <a:bodyPr wrap="square" rtlCol="0">
+            <a:spAutoFit/>
+          </a:bodyPr>
+          <a:lstStyle/>
+          <a:p>
+            <a:r>
+              <a:rPr lang="en-IN" sz="2183" dirty="0"/>
+              <a:t>Score will be shown</a:t>
+            </a:r>
+          </a:p>
+        </p:txBody>
+      </p:sp>
+      <p:sp>
+        <p:nvSpPr>
+          <p:cNvPr id="99" name="TextBox 98">
+            <a:extLst>
+              <a:ext uri="{FF2B5EF4-FFF2-40B4-BE49-F238E27FC236}">
+                <a16:creationId xmlns:a16="http://schemas.microsoft.com/office/drawing/2014/main" id="{AB526A49-2646-45B3-8BB3-0121D45F1CA3}"/>
+              </a:ext>
+            </a:extLst>
+          </p:cNvPr>
+          <p:cNvSpPr txBox="1"/>
+          <p:nvPr/>
+        </p:nvSpPr>
+        <p:spPr>
+          <a:xfrm>
+            <a:off x="9354717" y="5750277"/>
+            <a:ext cx="1545517" cy="1100109"/>
+          </a:xfrm>
+          <a:prstGeom prst="rect">
+            <a:avLst/>
+          </a:prstGeom>
+          <a:noFill/>
+        </p:spPr>
+        <p:txBody>
+          <a:bodyPr wrap="square" rtlCol="0">
+            <a:spAutoFit/>
+          </a:bodyPr>
+          <a:lstStyle/>
+          <a:p>
+            <a:r>
+              <a:rPr lang="en-IN" sz="2183" dirty="0"/>
+              <a:t>User must speak for time limit</a:t>
+            </a:r>
+          </a:p>
+        </p:txBody>
+      </p:sp>
+      <p:sp>
+        <p:nvSpPr>
+          <p:cNvPr id="100" name="TextBox 99">
+            <a:extLst>
+              <a:ext uri="{FF2B5EF4-FFF2-40B4-BE49-F238E27FC236}">
+                <a16:creationId xmlns:a16="http://schemas.microsoft.com/office/drawing/2014/main" id="{CDF942B1-8DC8-499B-8321-855A70499742}"/>
+              </a:ext>
+            </a:extLst>
+          </p:cNvPr>
+          <p:cNvSpPr txBox="1"/>
+          <p:nvPr/>
+        </p:nvSpPr>
+        <p:spPr>
+          <a:xfrm>
+            <a:off x="11898892" y="5717072"/>
+            <a:ext cx="1545517" cy="764184"/>
+          </a:xfrm>
+          <a:prstGeom prst="rect">
+            <a:avLst/>
+          </a:prstGeom>
+          <a:noFill/>
+        </p:spPr>
+        <p:txBody>
+          <a:bodyPr wrap="square" rtlCol="0">
+            <a:spAutoFit/>
+          </a:bodyPr>
+          <a:lstStyle/>
+          <a:p>
+            <a:r>
+              <a:rPr lang="en-IN" sz="2183" dirty="0"/>
+              <a:t>User must type essay</a:t>
+            </a:r>
+          </a:p>
+        </p:txBody>
+      </p:sp>
+      <p:sp>
+        <p:nvSpPr>
+          <p:cNvPr id="101" name="TextBox 100">
+            <a:extLst>
+              <a:ext uri="{FF2B5EF4-FFF2-40B4-BE49-F238E27FC236}">
+                <a16:creationId xmlns:a16="http://schemas.microsoft.com/office/drawing/2014/main" id="{564B0EFE-A1D3-4EFC-93E0-DE659FC241CC}"/>
+              </a:ext>
+            </a:extLst>
+          </p:cNvPr>
+          <p:cNvSpPr txBox="1"/>
+          <p:nvPr/>
+        </p:nvSpPr>
+        <p:spPr>
+          <a:xfrm>
+            <a:off x="11898892" y="6939740"/>
+            <a:ext cx="1545517" cy="1436034"/>
+          </a:xfrm>
+          <a:prstGeom prst="rect">
+            <a:avLst/>
+          </a:prstGeom>
+          <a:noFill/>
+        </p:spPr>
+        <p:txBody>
+          <a:bodyPr wrap="square" rtlCol="0">
+            <a:spAutoFit/>
+          </a:bodyPr>
+          <a:lstStyle/>
+          <a:p>
+            <a:r>
+              <a:rPr lang="en-IN" sz="2183" dirty="0"/>
+              <a:t>Analysis Report will be generated</a:t>
+            </a:r>
+          </a:p>
+        </p:txBody>
+      </p:sp>
+      <p:sp>
+        <p:nvSpPr>
+          <p:cNvPr id="102" name="TextBox 101">
+            <a:extLst>
+              <a:ext uri="{FF2B5EF4-FFF2-40B4-BE49-F238E27FC236}">
+                <a16:creationId xmlns:a16="http://schemas.microsoft.com/office/drawing/2014/main" id="{90DA1430-4F88-4D1F-8D55-737666C6D2DA}"/>
+              </a:ext>
+            </a:extLst>
+          </p:cNvPr>
+          <p:cNvSpPr txBox="1"/>
+          <p:nvPr/>
+        </p:nvSpPr>
+        <p:spPr>
+          <a:xfrm>
+            <a:off x="9429236" y="7268529"/>
+            <a:ext cx="1545517" cy="1436034"/>
+          </a:xfrm>
+          <a:prstGeom prst="rect">
+            <a:avLst/>
+          </a:prstGeom>
+          <a:noFill/>
+        </p:spPr>
+        <p:txBody>
+          <a:bodyPr wrap="square" rtlCol="0">
+            <a:spAutoFit/>
+          </a:bodyPr>
+          <a:lstStyle/>
+          <a:p>
+            <a:r>
+              <a:rPr lang="en-IN" sz="2183" dirty="0"/>
+              <a:t>Speech Analysis Report will be shown</a:t>
+            </a:r>
+          </a:p>
+        </p:txBody>
+      </p:sp>
+      <p:cxnSp>
+        <p:nvCxnSpPr>
+          <p:cNvPr id="103" name="Straight Arrow Connector 102">
+            <a:extLst>
+              <a:ext uri="{FF2B5EF4-FFF2-40B4-BE49-F238E27FC236}">
+                <a16:creationId xmlns:a16="http://schemas.microsoft.com/office/drawing/2014/main" id="{D348FBBE-96FB-42B4-8C4A-5B8B92A6CCB4}"/>
+              </a:ext>
+            </a:extLst>
+          </p:cNvPr>
+          <p:cNvCxnSpPr/>
+          <p:nvPr/>
+        </p:nvCxnSpPr>
+        <p:spPr>
+          <a:xfrm>
+            <a:off x="9989747" y="5483036"/>
+            <a:ext cx="0" cy="316402"/>
+          </a:xfrm>
+          <a:prstGeom prst="straightConnector1">
+            <a:avLst/>
+          </a:prstGeom>
+          <a:ln>
+            <a:tailEnd type="triangle"/>
+          </a:ln>
+        </p:spPr>
+        <p:style>
+          <a:lnRef idx="1">
+            <a:schemeClr val="accent1"/>
+          </a:lnRef>
+          <a:fillRef idx="0">
+            <a:schemeClr val="accent1"/>
+          </a:fillRef>
+          <a:effectRef idx="0">
+            <a:schemeClr val="accent1"/>
+          </a:effectRef>
+          <a:fontRef idx="minor">
+            <a:schemeClr val="tx1"/>
+          </a:fontRef>
+        </p:style>
+      </p:cxnSp>
+      <p:cxnSp>
+        <p:nvCxnSpPr>
+          <p:cNvPr id="104" name="Straight Arrow Connector 103">
+            <a:extLst>
+              <a:ext uri="{FF2B5EF4-FFF2-40B4-BE49-F238E27FC236}">
+                <a16:creationId xmlns:a16="http://schemas.microsoft.com/office/drawing/2014/main" id="{D8CF8328-813C-41E5-B2BD-F52917D95714}"/>
+              </a:ext>
+            </a:extLst>
+          </p:cNvPr>
+          <p:cNvCxnSpPr/>
+          <p:nvPr/>
+        </p:nvCxnSpPr>
+        <p:spPr>
+          <a:xfrm>
+            <a:off x="9959085" y="6902034"/>
+            <a:ext cx="0" cy="316402"/>
+          </a:xfrm>
+          <a:prstGeom prst="straightConnector1">
+            <a:avLst/>
+          </a:prstGeom>
+          <a:ln>
+            <a:tailEnd type="triangle"/>
+          </a:ln>
+        </p:spPr>
+        <p:style>
+          <a:lnRef idx="1">
+            <a:schemeClr val="accent1"/>
+          </a:lnRef>
+          <a:fillRef idx="0">
+            <a:schemeClr val="accent1"/>
+          </a:fillRef>
+          <a:effectRef idx="0">
+            <a:schemeClr val="accent1"/>
+          </a:effectRef>
+          <a:fontRef idx="minor">
+            <a:schemeClr val="tx1"/>
+          </a:fontRef>
+        </p:style>
+      </p:cxnSp>
+      <p:cxnSp>
+        <p:nvCxnSpPr>
+          <p:cNvPr id="105" name="Straight Arrow Connector 104">
+            <a:extLst>
+              <a:ext uri="{FF2B5EF4-FFF2-40B4-BE49-F238E27FC236}">
+                <a16:creationId xmlns:a16="http://schemas.microsoft.com/office/drawing/2014/main" id="{DC9073D5-782C-40B7-9A64-1315179AC440}"/>
+              </a:ext>
+            </a:extLst>
+          </p:cNvPr>
+          <p:cNvCxnSpPr/>
+          <p:nvPr/>
+        </p:nvCxnSpPr>
+        <p:spPr>
+          <a:xfrm>
+            <a:off x="12580905" y="5472249"/>
+            <a:ext cx="0" cy="316402"/>
+          </a:xfrm>
+          <a:prstGeom prst="straightConnector1">
+            <a:avLst/>
+          </a:prstGeom>
+          <a:ln>
+            <a:tailEnd type="triangle"/>
+          </a:ln>
+        </p:spPr>
+        <p:style>
+          <a:lnRef idx="1">
+            <a:schemeClr val="accent1"/>
+          </a:lnRef>
+          <a:fillRef idx="0">
+            <a:schemeClr val="accent1"/>
+          </a:fillRef>
+          <a:effectRef idx="0">
+            <a:schemeClr val="accent1"/>
+          </a:effectRef>
+          <a:fontRef idx="minor">
+            <a:schemeClr val="tx1"/>
+          </a:fontRef>
+        </p:style>
+      </p:cxnSp>
+      <p:cxnSp>
+        <p:nvCxnSpPr>
+          <p:cNvPr id="106" name="Straight Arrow Connector 105">
+            <a:extLst>
+              <a:ext uri="{FF2B5EF4-FFF2-40B4-BE49-F238E27FC236}">
+                <a16:creationId xmlns:a16="http://schemas.microsoft.com/office/drawing/2014/main" id="{A7D01863-3D3C-4AA7-925C-80C147F70EA2}"/>
+              </a:ext>
+            </a:extLst>
+          </p:cNvPr>
+          <p:cNvCxnSpPr/>
+          <p:nvPr/>
+        </p:nvCxnSpPr>
+        <p:spPr>
+          <a:xfrm>
+            <a:off x="12544501" y="6562808"/>
+            <a:ext cx="0" cy="316402"/>
+          </a:xfrm>
+          <a:prstGeom prst="straightConnector1">
+            <a:avLst/>
+          </a:prstGeom>
+          <a:ln>
+            <a:tailEnd type="triangle"/>
+          </a:ln>
+        </p:spPr>
+        <p:style>
+          <a:lnRef idx="1">
+            <a:schemeClr val="accent1"/>
+          </a:lnRef>
+          <a:fillRef idx="0">
+            <a:schemeClr val="accent1"/>
+          </a:fillRef>
+          <a:effectRef idx="0">
+            <a:schemeClr val="accent1"/>
+          </a:effectRef>
+          <a:fontRef idx="minor">
+            <a:schemeClr val="tx1"/>
+          </a:fontRef>
+        </p:style>
+      </p:cxnSp>
+      <p:cxnSp>
+        <p:nvCxnSpPr>
+          <p:cNvPr id="107" name="Straight Arrow Connector 106">
+            <a:extLst>
+              <a:ext uri="{FF2B5EF4-FFF2-40B4-BE49-F238E27FC236}">
+                <a16:creationId xmlns:a16="http://schemas.microsoft.com/office/drawing/2014/main" id="{D7483724-EC2E-4B0A-B453-CE51C73A4CFD}"/>
+              </a:ext>
+            </a:extLst>
+          </p:cNvPr>
+          <p:cNvCxnSpPr/>
+          <p:nvPr/>
+        </p:nvCxnSpPr>
+        <p:spPr>
+          <a:xfrm>
+            <a:off x="7448773" y="5563415"/>
+            <a:ext cx="0" cy="316402"/>
+          </a:xfrm>
+          <a:prstGeom prst="straightConnector1">
+            <a:avLst/>
+          </a:prstGeom>
+          <a:ln>
+            <a:tailEnd type="triangle"/>
+          </a:ln>
+        </p:spPr>
+        <p:style>
+          <a:lnRef idx="1">
+            <a:schemeClr val="accent1"/>
+          </a:lnRef>
+          <a:fillRef idx="0">
+            <a:schemeClr val="accent1"/>
+          </a:fillRef>
+          <a:effectRef idx="0">
+            <a:schemeClr val="accent1"/>
+          </a:effectRef>
+          <a:fontRef idx="minor">
+            <a:schemeClr val="tx1"/>
+          </a:fontRef>
+        </p:style>
+      </p:cxnSp>
+      <p:cxnSp>
+        <p:nvCxnSpPr>
+          <p:cNvPr id="108" name="Straight Arrow Connector 107">
+            <a:extLst>
+              <a:ext uri="{FF2B5EF4-FFF2-40B4-BE49-F238E27FC236}">
+                <a16:creationId xmlns:a16="http://schemas.microsoft.com/office/drawing/2014/main" id="{A624C95D-CEC8-45B5-9BB6-9386918303E2}"/>
+              </a:ext>
+            </a:extLst>
+          </p:cNvPr>
+          <p:cNvCxnSpPr/>
+          <p:nvPr/>
+        </p:nvCxnSpPr>
+        <p:spPr>
+          <a:xfrm>
+            <a:off x="7425654" y="7268528"/>
+            <a:ext cx="0" cy="316402"/>
+          </a:xfrm>
+          <a:prstGeom prst="straightConnector1">
+            <a:avLst/>
+          </a:prstGeom>
+          <a:ln>
+            <a:tailEnd type="triangle"/>
+          </a:ln>
+        </p:spPr>
+        <p:style>
+          <a:lnRef idx="1">
+            <a:schemeClr val="accent1"/>
+          </a:lnRef>
+          <a:fillRef idx="0">
+            <a:schemeClr val="accent1"/>
+          </a:fillRef>
+          <a:effectRef idx="0">
+            <a:schemeClr val="accent1"/>
+          </a:effectRef>
+          <a:fontRef idx="minor">
+            <a:schemeClr val="tx1"/>
+          </a:fontRef>
+        </p:style>
+      </p:cxnSp>
+      <p:cxnSp>
+        <p:nvCxnSpPr>
+          <p:cNvPr id="109" name="Straight Arrow Connector 108">
+            <a:extLst>
+              <a:ext uri="{FF2B5EF4-FFF2-40B4-BE49-F238E27FC236}">
+                <a16:creationId xmlns:a16="http://schemas.microsoft.com/office/drawing/2014/main" id="{E9025560-6CE6-4E6C-BD3C-F07CE2FD1D5E}"/>
+              </a:ext>
+            </a:extLst>
+          </p:cNvPr>
+          <p:cNvCxnSpPr/>
+          <p:nvPr/>
+        </p:nvCxnSpPr>
+        <p:spPr>
+          <a:xfrm>
+            <a:off x="4916553" y="5409757"/>
+            <a:ext cx="0" cy="316402"/>
+          </a:xfrm>
+          <a:prstGeom prst="straightConnector1">
+            <a:avLst/>
+          </a:prstGeom>
+          <a:ln>
+            <a:tailEnd type="triangle"/>
+          </a:ln>
+        </p:spPr>
+        <p:style>
+          <a:lnRef idx="1">
+            <a:schemeClr val="accent1"/>
+          </a:lnRef>
+          <a:fillRef idx="0">
+            <a:schemeClr val="accent1"/>
+          </a:fillRef>
+          <a:effectRef idx="0">
+            <a:schemeClr val="accent1"/>
+          </a:effectRef>
+          <a:fontRef idx="minor">
+            <a:schemeClr val="tx1"/>
+          </a:fontRef>
+        </p:style>
+      </p:cxnSp>
+      <p:cxnSp>
+        <p:nvCxnSpPr>
+          <p:cNvPr id="110" name="Straight Arrow Connector 109">
+            <a:extLst>
+              <a:ext uri="{FF2B5EF4-FFF2-40B4-BE49-F238E27FC236}">
+                <a16:creationId xmlns:a16="http://schemas.microsoft.com/office/drawing/2014/main" id="{CC5E0845-4F17-43A6-989E-0B2013C10F50}"/>
+              </a:ext>
+            </a:extLst>
+          </p:cNvPr>
+          <p:cNvCxnSpPr/>
+          <p:nvPr/>
+        </p:nvCxnSpPr>
+        <p:spPr>
+          <a:xfrm>
+            <a:off x="4916553" y="7508627"/>
+            <a:ext cx="0" cy="316402"/>
+          </a:xfrm>
+          <a:prstGeom prst="straightConnector1">
+            <a:avLst/>
+          </a:prstGeom>
+          <a:ln>
+            <a:tailEnd type="triangle"/>
+          </a:ln>
+        </p:spPr>
+        <p:style>
+          <a:lnRef idx="1">
+            <a:schemeClr val="accent1"/>
+          </a:lnRef>
+          <a:fillRef idx="0">
+            <a:schemeClr val="accent1"/>
+          </a:fillRef>
+          <a:effectRef idx="0">
+            <a:schemeClr val="accent1"/>
+          </a:effectRef>
+          <a:fontRef idx="minor">
+            <a:schemeClr val="tx1"/>
+          </a:fontRef>
+        </p:style>
+      </p:cxnSp>
+      <p:sp>
+        <p:nvSpPr>
+          <p:cNvPr id="111" name="TextBox 110">
+            <a:extLst>
+              <a:ext uri="{FF2B5EF4-FFF2-40B4-BE49-F238E27FC236}">
+                <a16:creationId xmlns:a16="http://schemas.microsoft.com/office/drawing/2014/main" id="{E838624A-3727-44EB-A2FE-840059A21C22}"/>
+              </a:ext>
+            </a:extLst>
+          </p:cNvPr>
+          <p:cNvSpPr txBox="1"/>
+          <p:nvPr/>
+        </p:nvSpPr>
+        <p:spPr>
+          <a:xfrm>
+            <a:off x="4244093" y="7776343"/>
+            <a:ext cx="1464538" cy="1243930"/>
+          </a:xfrm>
+          <a:prstGeom prst="rect">
+            <a:avLst/>
+          </a:prstGeom>
+          <a:noFill/>
+        </p:spPr>
+        <p:txBody>
+          <a:bodyPr wrap="square" rtlCol="0">
+            <a:spAutoFit/>
+          </a:bodyPr>
+          <a:lstStyle/>
+          <a:p>
+            <a:r>
+              <a:rPr lang="en-IN" sz="1871" dirty="0"/>
+              <a:t>User can read, revise as much as they want</a:t>
+            </a:r>
+          </a:p>
+        </p:txBody>
+      </p:sp>
+      <p:sp>
+        <p:nvSpPr>
+          <p:cNvPr id="112" name="TextBox 111">
+            <a:extLst>
+              <a:ext uri="{FF2B5EF4-FFF2-40B4-BE49-F238E27FC236}">
+                <a16:creationId xmlns:a16="http://schemas.microsoft.com/office/drawing/2014/main" id="{DEF4FBC3-0615-482A-B1E5-6556D6B84EB8}"/>
+              </a:ext>
+            </a:extLst>
+          </p:cNvPr>
+          <p:cNvSpPr txBox="1"/>
+          <p:nvPr/>
+        </p:nvSpPr>
+        <p:spPr>
+          <a:xfrm>
+            <a:off x="4256333" y="3738320"/>
+            <a:ext cx="2443985" cy="764184"/>
+          </a:xfrm>
+          <a:prstGeom prst="rect">
+            <a:avLst/>
+          </a:prstGeom>
+          <a:noFill/>
+        </p:spPr>
+        <p:txBody>
+          <a:bodyPr wrap="square" rtlCol="0">
+            <a:spAutoFit/>
+          </a:bodyPr>
+          <a:lstStyle/>
+          <a:p>
+            <a:r>
+              <a:rPr lang="en-IN" sz="2183" b="1" dirty="0"/>
+              <a:t>Immersive</a:t>
+            </a:r>
+          </a:p>
+          <a:p>
+            <a:r>
+              <a:rPr lang="en-IN" sz="2183" b="1" dirty="0"/>
+              <a:t> Reader</a:t>
+            </a:r>
+          </a:p>
+        </p:txBody>
+      </p:sp>
+      <p:grpSp>
+        <p:nvGrpSpPr>
+          <p:cNvPr id="68" name="Group 67">
+            <a:extLst>
+              <a:ext uri="{FF2B5EF4-FFF2-40B4-BE49-F238E27FC236}">
+                <a16:creationId xmlns:a16="http://schemas.microsoft.com/office/drawing/2014/main" id="{267B2098-3D55-4562-897A-DE30ED634918}"/>
+              </a:ext>
+            </a:extLst>
+          </p:cNvPr>
+          <p:cNvGrpSpPr/>
+          <p:nvPr/>
+        </p:nvGrpSpPr>
+        <p:grpSpPr>
+          <a:xfrm>
+            <a:off x="-1" y="594172"/>
+            <a:ext cx="5112667" cy="828000"/>
+            <a:chOff x="-3414107" y="546100"/>
+            <a:chExt cx="7356663" cy="828000"/>
+          </a:xfrm>
+          <a:solidFill>
+            <a:schemeClr val="accent4">
+              <a:lumMod val="75000"/>
+            </a:schemeClr>
+          </a:solidFill>
+        </p:grpSpPr>
+        <p:sp>
+          <p:nvSpPr>
+            <p:cNvPr id="69" name="object 25">
+              <a:extLst>
+                <a:ext uri="{FF2B5EF4-FFF2-40B4-BE49-F238E27FC236}">
+                  <a16:creationId xmlns:a16="http://schemas.microsoft.com/office/drawing/2014/main" id="{5419DEAB-CC0C-41A9-A498-C7BAA977C148}"/>
+                </a:ext>
+              </a:extLst>
+            </p:cNvPr>
+            <p:cNvSpPr/>
+            <p:nvPr/>
+          </p:nvSpPr>
+          <p:spPr>
+            <a:xfrm>
+              <a:off x="-3414107" y="546100"/>
+              <a:ext cx="6670863" cy="828000"/>
+            </a:xfrm>
+            <a:custGeom>
+              <a:avLst/>
+              <a:gdLst/>
+              <a:ahLst/>
+              <a:cxnLst/>
+              <a:rect l="l" t="t" r="r" b="b"/>
+              <a:pathLst>
+                <a:path w="1955164" h="437514">
+                  <a:moveTo>
+                    <a:pt x="1736031" y="0"/>
+                  </a:moveTo>
+                  <a:lnTo>
+                    <a:pt x="0" y="0"/>
+                  </a:lnTo>
+                  <a:lnTo>
+                    <a:pt x="0" y="437153"/>
+                  </a:lnTo>
+                  <a:lnTo>
+                    <a:pt x="1736031" y="437153"/>
+                  </a:lnTo>
+                  <a:lnTo>
+                    <a:pt x="1786148" y="431380"/>
+                  </a:lnTo>
+                  <a:lnTo>
+                    <a:pt x="1832155" y="414936"/>
+                  </a:lnTo>
+                  <a:lnTo>
+                    <a:pt x="1872739" y="389134"/>
+                  </a:lnTo>
+                  <a:lnTo>
+                    <a:pt x="1906588" y="355285"/>
+                  </a:lnTo>
+                  <a:lnTo>
+                    <a:pt x="1932391" y="314701"/>
+                  </a:lnTo>
+                  <a:lnTo>
+                    <a:pt x="1948834" y="268694"/>
+                  </a:lnTo>
+                  <a:lnTo>
+                    <a:pt x="1954607" y="218577"/>
+                  </a:lnTo>
+                  <a:lnTo>
+                    <a:pt x="1948834" y="168459"/>
+                  </a:lnTo>
+                  <a:lnTo>
+                    <a:pt x="1932391" y="122452"/>
+                  </a:lnTo>
+                  <a:lnTo>
+                    <a:pt x="1906588" y="81868"/>
+                  </a:lnTo>
+                  <a:lnTo>
+                    <a:pt x="1872739" y="48018"/>
+                  </a:lnTo>
+                  <a:lnTo>
+                    <a:pt x="1832155" y="22216"/>
+                  </a:lnTo>
+                  <a:lnTo>
+                    <a:pt x="1786148" y="5772"/>
+                  </a:lnTo>
+                  <a:lnTo>
+                    <a:pt x="1736031" y="0"/>
+                  </a:lnTo>
+                  <a:close/>
+                </a:path>
+              </a:pathLst>
+            </a:custGeom>
+            <a:grpFill/>
+          </p:spPr>
+          <p:txBody>
+            <a:bodyPr wrap="square" lIns="0" tIns="0" rIns="0" bIns="0" rtlCol="0"/>
+            <a:lstStyle/>
+            <a:p>
+              <a:endParaRPr dirty="0"/>
+            </a:p>
+          </p:txBody>
+        </p:sp>
+        <p:sp>
+          <p:nvSpPr>
+            <p:cNvPr id="70" name="object 25">
+              <a:extLst>
+                <a:ext uri="{FF2B5EF4-FFF2-40B4-BE49-F238E27FC236}">
+                  <a16:creationId xmlns:a16="http://schemas.microsoft.com/office/drawing/2014/main" id="{555798DD-C370-473D-BB9C-AB059AE67923}"/>
+                </a:ext>
+              </a:extLst>
+            </p:cNvPr>
+            <p:cNvSpPr/>
+            <p:nvPr/>
+          </p:nvSpPr>
+          <p:spPr>
+            <a:xfrm>
+              <a:off x="685799" y="546100"/>
+              <a:ext cx="3256757" cy="828000"/>
+            </a:xfrm>
+            <a:custGeom>
+              <a:avLst/>
+              <a:gdLst/>
+              <a:ahLst/>
+              <a:cxnLst/>
+              <a:rect l="l" t="t" r="r" b="b"/>
+              <a:pathLst>
+                <a:path w="1955164" h="437514">
+                  <a:moveTo>
+                    <a:pt x="1736031" y="0"/>
+                  </a:moveTo>
+                  <a:lnTo>
+                    <a:pt x="0" y="0"/>
+                  </a:lnTo>
+                  <a:lnTo>
+                    <a:pt x="0" y="437153"/>
+                  </a:lnTo>
+                  <a:lnTo>
+                    <a:pt x="1736031" y="437153"/>
+                  </a:lnTo>
+                  <a:lnTo>
+                    <a:pt x="1786148" y="431380"/>
+                  </a:lnTo>
+                  <a:lnTo>
+                    <a:pt x="1832155" y="414936"/>
+                  </a:lnTo>
+                  <a:lnTo>
+                    <a:pt x="1872739" y="389134"/>
+                  </a:lnTo>
+                  <a:lnTo>
+                    <a:pt x="1906588" y="355285"/>
+                  </a:lnTo>
+                  <a:lnTo>
+                    <a:pt x="1932391" y="314701"/>
+                  </a:lnTo>
+                  <a:lnTo>
+                    <a:pt x="1948834" y="268694"/>
+                  </a:lnTo>
+                  <a:lnTo>
+                    <a:pt x="1954607" y="218577"/>
+                  </a:lnTo>
+                  <a:lnTo>
+                    <a:pt x="1948834" y="168459"/>
+                  </a:lnTo>
+                  <a:lnTo>
+                    <a:pt x="1932391" y="122452"/>
+                  </a:lnTo>
+                  <a:lnTo>
+                    <a:pt x="1906588" y="81868"/>
+                  </a:lnTo>
+                  <a:lnTo>
+                    <a:pt x="1872739" y="48018"/>
+                  </a:lnTo>
+                  <a:lnTo>
+                    <a:pt x="1832155" y="22216"/>
+                  </a:lnTo>
+                  <a:lnTo>
+                    <a:pt x="1786148" y="5772"/>
+                  </a:lnTo>
+                  <a:lnTo>
+                    <a:pt x="1736031" y="0"/>
+                  </a:lnTo>
+                  <a:close/>
+                </a:path>
+              </a:pathLst>
+            </a:custGeom>
+            <a:grpFill/>
+          </p:spPr>
+          <p:txBody>
+            <a:bodyPr wrap="square" lIns="0" tIns="0" rIns="0" bIns="0" rtlCol="0"/>
+            <a:lstStyle/>
+            <a:p>
+              <a:endParaRPr dirty="0"/>
+            </a:p>
+          </p:txBody>
+        </p:sp>
+      </p:grpSp>
+      <p:sp>
+        <p:nvSpPr>
+          <p:cNvPr id="2" name="Rectangle 1">
+            <a:extLst>
+              <a:ext uri="{FF2B5EF4-FFF2-40B4-BE49-F238E27FC236}">
+                <a16:creationId xmlns:a16="http://schemas.microsoft.com/office/drawing/2014/main" id="{D3BFD79D-8A19-4284-9A62-DF09325EF157}"/>
+              </a:ext>
+            </a:extLst>
+          </p:cNvPr>
+          <p:cNvSpPr/>
+          <p:nvPr/>
+        </p:nvSpPr>
+        <p:spPr>
+          <a:xfrm>
+            <a:off x="326823" y="775610"/>
+            <a:ext cx="3417693" cy="430887"/>
+          </a:xfrm>
+          <a:prstGeom prst="rect">
+            <a:avLst/>
+          </a:prstGeom>
+        </p:spPr>
+        <p:txBody>
+          <a:bodyPr wrap="square">
+            <a:spAutoFit/>
+          </a:bodyPr>
+          <a:lstStyle/>
+          <a:p>
+            <a:r>
+              <a:rPr lang="en-IN" sz="2200" b="1" dirty="0">
+                <a:solidFill>
+                  <a:schemeClr val="bg1"/>
+                </a:solidFill>
+                <a:latin typeface="Open Sans" panose="020B0606030504020204" pitchFamily="34" charset="0"/>
+              </a:rPr>
+              <a:t>WORKFLOW DIAGRAM</a:t>
+            </a:r>
+            <a:endParaRPr lang="en-IN" sz="2200" dirty="0"/>
+          </a:p>
+        </p:txBody>
+      </p:sp>
+    </p:spTree>
+    <p:extLst>
+      <p:ext uri="{BB962C8B-B14F-4D97-AF65-F5344CB8AC3E}">
+        <p14:creationId xmlns:p14="http://schemas.microsoft.com/office/powerpoint/2010/main" val="824313899"/>
+      </p:ext>
+    </p:extLst>
+  </p:cSld>
+  <p:clrMapOvr>
+    <a:masterClrMapping/>
+  </p:clrMapOvr>
+</p:sld>
+</file>
+
+<file path=ppt/slides/slide7.xml><?xml version="1.0" encoding="utf-8"?>
+<p:sld xmlns:a="http://schemas.openxmlformats.org/drawingml/2006/main" xmlns:r="http://schemas.openxmlformats.org/officeDocument/2006/relationships" xmlns:p="http://schemas.openxmlformats.org/presentationml/2006/main">
+  <p:cSld>
+    <p:spTree>
+      <p:nvGrpSpPr>
+        <p:cNvPr id="1" name=""/>
+        <p:cNvGrpSpPr/>
+        <p:nvPr/>
+      </p:nvGrpSpPr>
+      <p:grpSpPr>
+        <a:xfrm>
+          <a:off x="0" y="0"/>
+          <a:ext cx="0" cy="0"/>
+          <a:chOff x="0" y="0"/>
+          <a:chExt cx="0" cy="0"/>
+        </a:xfrm>
+      </p:grpSpPr>
       <p:grpSp>
         <p:nvGrpSpPr>
           <p:cNvPr id="28" name="Group 27">
@@ -10961,7 +14307,7 @@
 </p:sld>
 </file>
 
-<file path=ppt/slides/slide7.xml><?xml version="1.0" encoding="utf-8"?>
+<file path=ppt/slides/slide8.xml><?xml version="1.0" encoding="utf-8"?>
 <p:sld xmlns:a="http://schemas.openxmlformats.org/drawingml/2006/main" xmlns:r="http://schemas.openxmlformats.org/officeDocument/2006/relationships" xmlns:p="http://schemas.openxmlformats.org/presentationml/2006/main">
   <p:cSld>
     <p:spTree>

--- a/EduWiz.pptx
+++ b/EduWiz.pptx
@@ -139,7 +139,7 @@
 <file path=ppt/revisionInfo.xml><?xml version="1.0" encoding="utf-8"?>
 <p1510:revInfo xmlns:a="http://schemas.openxmlformats.org/drawingml/2006/main" xmlns:r="http://schemas.openxmlformats.org/officeDocument/2006/relationships" xmlns:p1510="http://schemas.microsoft.com/office/powerpoint/2015/10/main">
   <p1510:revLst>
-    <p1510:client id="{475B0C9B-0507-46EA-A92E-65E43D859C9E}" v="7" dt="2020-04-01T17:25:52.246"/>
+    <p1510:client id="{475B0C9B-0507-46EA-A92E-65E43D859C9E}" v="143" dt="2020-04-01T18:03:18.478"/>
   </p1510:revLst>
 </p1510:revInfo>
 </file>
@@ -1563,13 +1563,13 @@
         <a:p>
           <a:r>
             <a:rPr lang="en-IN" b="1" dirty="0"/>
-            <a:t>Cognitive Text Analytics Service</a:t>
+            <a:t>Bing Spell Check API</a:t>
           </a:r>
         </a:p>
         <a:p>
           <a:r>
             <a:rPr lang="en-IN" dirty="0"/>
-            <a:t>(for hosting flask Web App)</a:t>
+            <a:t>(for spelling correction and recommendation)</a:t>
           </a:r>
         </a:p>
       </dgm:t>
@@ -1710,6 +1710,48 @@
         </a:p>
       </dgm:t>
     </dgm:pt>
+    <dgm:pt modelId="{CCB8FFAD-382E-4BAB-9190-62D4748FA0AE}">
+      <dgm:prSet phldrT="[Text]"/>
+      <dgm:spPr/>
+      <dgm:t>
+        <a:bodyPr/>
+        <a:lstStyle/>
+        <a:p>
+          <a:r>
+            <a:rPr lang="en-IN" b="1" dirty="0"/>
+            <a:t>Cognitive Text Analytics Service</a:t>
+          </a:r>
+        </a:p>
+        <a:p>
+          <a:r>
+            <a:rPr lang="en-IN" dirty="0"/>
+            <a:t>(for hosting flask Web App)</a:t>
+          </a:r>
+        </a:p>
+      </dgm:t>
+    </dgm:pt>
+    <dgm:pt modelId="{2641A853-469D-4197-A180-42A7C62290F8}" type="parTrans" cxnId="{CB0BD288-199D-45BA-887A-B747E77FCADD}">
+      <dgm:prSet/>
+      <dgm:spPr/>
+      <dgm:t>
+        <a:bodyPr/>
+        <a:lstStyle/>
+        <a:p>
+          <a:endParaRPr lang="en-IN"/>
+        </a:p>
+      </dgm:t>
+    </dgm:pt>
+    <dgm:pt modelId="{1C7439C6-A823-4198-B300-F9636EBF0F96}" type="sibTrans" cxnId="{CB0BD288-199D-45BA-887A-B747E77FCADD}">
+      <dgm:prSet/>
+      <dgm:spPr/>
+      <dgm:t>
+        <a:bodyPr/>
+        <a:lstStyle/>
+        <a:p>
+          <a:endParaRPr lang="en-IN"/>
+        </a:p>
+      </dgm:t>
+    </dgm:pt>
     <dgm:pt modelId="{9671A79F-1CE2-4014-B58C-784723A29CCA}" type="pres">
       <dgm:prSet presAssocID="{9DAC3B97-FE55-4CF4-8875-D796551D8B0F}" presName="theList" presStyleCnt="0">
         <dgm:presLayoutVars>
@@ -1741,7 +1783,7 @@
       <dgm:spPr/>
     </dgm:pt>
     <dgm:pt modelId="{66D75D90-6802-4AAF-A7EE-97173B9188AC}" type="pres">
-      <dgm:prSet presAssocID="{25578AE3-F386-4DB5-AA8F-5CB26AD1CAEE}" presName="childNode" presStyleLbl="node1" presStyleIdx="0" presStyleCnt="10" custScaleX="99284" custScaleY="132339" custLinFactY="-3900" custLinFactNeighborX="-1359" custLinFactNeighborY="-100000">
+      <dgm:prSet presAssocID="{25578AE3-F386-4DB5-AA8F-5CB26AD1CAEE}" presName="childNode" presStyleLbl="node1" presStyleIdx="0" presStyleCnt="11" custScaleX="99284" custScaleY="81960" custLinFactY="-3900" custLinFactNeighborX="-1359" custLinFactNeighborY="-100000">
         <dgm:presLayoutVars>
           <dgm:bulletEnabled val="1"/>
         </dgm:presLayoutVars>
@@ -1753,7 +1795,7 @@
       <dgm:spPr/>
     </dgm:pt>
     <dgm:pt modelId="{6973120B-7FBD-42BC-BD38-BA1DF0C9D2A4}" type="pres">
-      <dgm:prSet presAssocID="{ACD57DD0-6FCE-4292-9311-FCBCF1CFA7B7}" presName="childNode" presStyleLbl="node1" presStyleIdx="1" presStyleCnt="10" custLinFactNeighborX="-1357" custLinFactNeighborY="-71710">
+      <dgm:prSet presAssocID="{ACD57DD0-6FCE-4292-9311-FCBCF1CFA7B7}" presName="childNode" presStyleLbl="node1" presStyleIdx="1" presStyleCnt="11" custLinFactNeighborX="-1357" custLinFactNeighborY="-71710">
         <dgm:presLayoutVars>
           <dgm:bulletEnabled val="1"/>
         </dgm:presLayoutVars>
@@ -1764,8 +1806,20 @@
       <dgm:prSet presAssocID="{ACD57DD0-6FCE-4292-9311-FCBCF1CFA7B7}" presName="aSpace2" presStyleCnt="0"/>
       <dgm:spPr/>
     </dgm:pt>
+    <dgm:pt modelId="{D3CFA2D3-017B-496E-BA87-29E6867B434E}" type="pres">
+      <dgm:prSet presAssocID="{CCB8FFAD-382E-4BAB-9190-62D4748FA0AE}" presName="childNode" presStyleLbl="node1" presStyleIdx="2" presStyleCnt="11" custLinFactNeighborX="-1357" custLinFactNeighborY="-71710">
+        <dgm:presLayoutVars>
+          <dgm:bulletEnabled val="1"/>
+        </dgm:presLayoutVars>
+      </dgm:prSet>
+      <dgm:spPr/>
+    </dgm:pt>
+    <dgm:pt modelId="{8E54800E-E365-41F6-87E8-45D8FCCF8E3C}" type="pres">
+      <dgm:prSet presAssocID="{CCB8FFAD-382E-4BAB-9190-62D4748FA0AE}" presName="aSpace2" presStyleCnt="0"/>
+      <dgm:spPr/>
+    </dgm:pt>
     <dgm:pt modelId="{BB6C7B26-FB9B-4520-B45C-3365EB85159B}" type="pres">
-      <dgm:prSet presAssocID="{4BD3F533-08A3-42BA-BAFC-32284F0421BB}" presName="childNode" presStyleLbl="node1" presStyleIdx="2" presStyleCnt="10">
+      <dgm:prSet presAssocID="{4BD3F533-08A3-42BA-BAFC-32284F0421BB}" presName="childNode" presStyleLbl="node1" presStyleIdx="3" presStyleCnt="11">
         <dgm:presLayoutVars>
           <dgm:bulletEnabled val="1"/>
         </dgm:presLayoutVars>
@@ -1777,7 +1831,7 @@
       <dgm:spPr/>
     </dgm:pt>
     <dgm:pt modelId="{73216E88-2EA0-4EC0-B7A9-A781B03B9821}" type="pres">
-      <dgm:prSet presAssocID="{F9513AEA-E5D7-4538-B003-8E6C9AFAD2B9}" presName="childNode" presStyleLbl="node1" presStyleIdx="3" presStyleCnt="10">
+      <dgm:prSet presAssocID="{F9513AEA-E5D7-4538-B003-8E6C9AFAD2B9}" presName="childNode" presStyleLbl="node1" presStyleIdx="4" presStyleCnt="11">
         <dgm:presLayoutVars>
           <dgm:bulletEnabled val="1"/>
         </dgm:presLayoutVars>
@@ -1809,7 +1863,7 @@
       <dgm:spPr/>
     </dgm:pt>
     <dgm:pt modelId="{F76CA1DA-DFC9-45EF-AEDB-CDFD989820E3}" type="pres">
-      <dgm:prSet presAssocID="{517845D0-F18A-480C-A90D-7772EFAF5A0E}" presName="childNode" presStyleLbl="node1" presStyleIdx="4" presStyleCnt="10">
+      <dgm:prSet presAssocID="{517845D0-F18A-480C-A90D-7772EFAF5A0E}" presName="childNode" presStyleLbl="node1" presStyleIdx="5" presStyleCnt="11">
         <dgm:presLayoutVars>
           <dgm:bulletEnabled val="1"/>
         </dgm:presLayoutVars>
@@ -1821,7 +1875,7 @@
       <dgm:spPr/>
     </dgm:pt>
     <dgm:pt modelId="{79A5918E-5709-4DA8-AD2C-C1092FF25696}" type="pres">
-      <dgm:prSet presAssocID="{287B7F66-D8A8-48BE-AE20-47B5820E0820}" presName="childNode" presStyleLbl="node1" presStyleIdx="5" presStyleCnt="10">
+      <dgm:prSet presAssocID="{287B7F66-D8A8-48BE-AE20-47B5820E0820}" presName="childNode" presStyleLbl="node1" presStyleIdx="6" presStyleCnt="11">
         <dgm:presLayoutVars>
           <dgm:bulletEnabled val="1"/>
         </dgm:presLayoutVars>
@@ -1833,7 +1887,7 @@
       <dgm:spPr/>
     </dgm:pt>
     <dgm:pt modelId="{CD807B9D-C71C-47A3-9F09-207C12F4DDE5}" type="pres">
-      <dgm:prSet presAssocID="{2D3F1D72-9D4C-41A0-9DED-24D647E1890A}" presName="childNode" presStyleLbl="node1" presStyleIdx="6" presStyleCnt="10">
+      <dgm:prSet presAssocID="{2D3F1D72-9D4C-41A0-9DED-24D647E1890A}" presName="childNode" presStyleLbl="node1" presStyleIdx="7" presStyleCnt="11">
         <dgm:presLayoutVars>
           <dgm:bulletEnabled val="1"/>
         </dgm:presLayoutVars>
@@ -1865,7 +1919,7 @@
       <dgm:spPr/>
     </dgm:pt>
     <dgm:pt modelId="{8D33890F-86BF-47CC-9E09-B2D3841747EE}" type="pres">
-      <dgm:prSet presAssocID="{753DF83E-3F93-48E3-835F-F3132FE63E25}" presName="childNode" presStyleLbl="node1" presStyleIdx="7" presStyleCnt="10" custScaleY="145481">
+      <dgm:prSet presAssocID="{753DF83E-3F93-48E3-835F-F3132FE63E25}" presName="childNode" presStyleLbl="node1" presStyleIdx="8" presStyleCnt="11" custScaleY="145481">
         <dgm:presLayoutVars>
           <dgm:bulletEnabled val="1"/>
         </dgm:presLayoutVars>
@@ -1877,7 +1931,7 @@
       <dgm:spPr/>
     </dgm:pt>
     <dgm:pt modelId="{8A6C28D4-F9A7-4867-A93A-4EE5C50EF300}" type="pres">
-      <dgm:prSet presAssocID="{64AB7760-CEF9-4D03-B83D-2DC6A7370CB2}" presName="childNode" presStyleLbl="node1" presStyleIdx="8" presStyleCnt="10">
+      <dgm:prSet presAssocID="{64AB7760-CEF9-4D03-B83D-2DC6A7370CB2}" presName="childNode" presStyleLbl="node1" presStyleIdx="9" presStyleCnt="11">
         <dgm:presLayoutVars>
           <dgm:bulletEnabled val="1"/>
         </dgm:presLayoutVars>
@@ -1889,7 +1943,7 @@
       <dgm:spPr/>
     </dgm:pt>
     <dgm:pt modelId="{3D1702D8-91DB-43E9-964D-3306E5CB6A72}" type="pres">
-      <dgm:prSet presAssocID="{84A2BF2F-427E-4CB6-A830-408200A8A49A}" presName="childNode" presStyleLbl="node1" presStyleIdx="9" presStyleCnt="10" custScaleY="148373">
+      <dgm:prSet presAssocID="{84A2BF2F-427E-4CB6-A830-408200A8A49A}" presName="childNode" presStyleLbl="node1" presStyleIdx="10" presStyleCnt="11" custScaleY="148373">
         <dgm:presLayoutVars>
           <dgm:bulletEnabled val="1"/>
         </dgm:presLayoutVars>
@@ -1916,14 +1970,16 @@
     <dgm:cxn modelId="{9E33CA79-3D18-47B1-AE0E-E59949B0A43B}" type="presOf" srcId="{E88D2BE4-0369-4E9D-A60C-EAE652619AA0}" destId="{04A1BBF0-AF90-42D0-8A53-767317769976}" srcOrd="0" destOrd="0" presId="urn:microsoft.com/office/officeart/2005/8/layout/lProcess2"/>
     <dgm:cxn modelId="{6881F97C-29D7-4CE2-B3BE-B5DF9F0928C7}" type="presOf" srcId="{E8163AA6-CF22-453A-818C-CEB90BE77C45}" destId="{57C32651-9C51-41E4-A619-A1B97463CA01}" srcOrd="0" destOrd="0" presId="urn:microsoft.com/office/officeart/2005/8/layout/lProcess2"/>
     <dgm:cxn modelId="{22CA0385-8E6C-4728-9F22-028EF2315C31}" srcId="{E88D2BE4-0369-4E9D-A60C-EAE652619AA0}" destId="{84A2BF2F-427E-4CB6-A830-408200A8A49A}" srcOrd="2" destOrd="0" parTransId="{BC35A4BB-E168-4C3A-B9B1-573835F885FF}" sibTransId="{BBC32234-B224-447C-80F8-D51BAB5327E4}"/>
+    <dgm:cxn modelId="{CB0BD288-199D-45BA-887A-B747E77FCADD}" srcId="{E8163AA6-CF22-453A-818C-CEB90BE77C45}" destId="{CCB8FFAD-382E-4BAB-9190-62D4748FA0AE}" srcOrd="2" destOrd="0" parTransId="{2641A853-469D-4197-A180-42A7C62290F8}" sibTransId="{1C7439C6-A823-4198-B300-F9636EBF0F96}"/>
     <dgm:cxn modelId="{12C27289-D346-4349-B898-23FFF54F6D8C}" type="presOf" srcId="{368D904C-4998-41F5-AF7C-B76475F4C9C6}" destId="{E9D71E88-CE2A-4AD2-A0ED-D064B6FE69E0}" srcOrd="1" destOrd="0" presId="urn:microsoft.com/office/officeart/2005/8/layout/lProcess2"/>
-    <dgm:cxn modelId="{C6F3BD89-8639-49FA-B2E3-2696B5E0751D}" srcId="{E8163AA6-CF22-453A-818C-CEB90BE77C45}" destId="{4BD3F533-08A3-42BA-BAFC-32284F0421BB}" srcOrd="2" destOrd="0" parTransId="{EC02C16D-1422-4BD9-A56F-8D709EBAF7F9}" sibTransId="{D39A5186-1AA4-4E3C-AF37-F534E90DE73F}"/>
+    <dgm:cxn modelId="{C6F3BD89-8639-49FA-B2E3-2696B5E0751D}" srcId="{E8163AA6-CF22-453A-818C-CEB90BE77C45}" destId="{4BD3F533-08A3-42BA-BAFC-32284F0421BB}" srcOrd="3" destOrd="0" parTransId="{EC02C16D-1422-4BD9-A56F-8D709EBAF7F9}" sibTransId="{D39A5186-1AA4-4E3C-AF37-F534E90DE73F}"/>
     <dgm:cxn modelId="{36F9AAAB-424E-4046-B5C5-EC2531C4412F}" type="presOf" srcId="{4BD3F533-08A3-42BA-BAFC-32284F0421BB}" destId="{BB6C7B26-FB9B-4520-B45C-3365EB85159B}" srcOrd="0" destOrd="0" presId="urn:microsoft.com/office/officeart/2005/8/layout/lProcess2"/>
     <dgm:cxn modelId="{4BF3C6B3-77C5-4B7E-A1B7-37869AEC53F3}" type="presOf" srcId="{F9513AEA-E5D7-4538-B003-8E6C9AFAD2B9}" destId="{73216E88-2EA0-4EC0-B7A9-A781B03B9821}" srcOrd="0" destOrd="0" presId="urn:microsoft.com/office/officeart/2005/8/layout/lProcess2"/>
     <dgm:cxn modelId="{1E9A31B8-62FC-4BBA-B241-C7F9C51F19E4}" srcId="{E8163AA6-CF22-453A-818C-CEB90BE77C45}" destId="{25578AE3-F386-4DB5-AA8F-5CB26AD1CAEE}" srcOrd="0" destOrd="0" parTransId="{1A4B3674-756D-4CE5-B9A7-40333C1135EA}" sibTransId="{D13D95BE-A94C-4F6E-B198-E9EE385BA0C4}"/>
+    <dgm:cxn modelId="{A2C9C6C1-BAFD-4C58-AA9A-0EF0CFE51F66}" type="presOf" srcId="{CCB8FFAD-382E-4BAB-9190-62D4748FA0AE}" destId="{D3CFA2D3-017B-496E-BA87-29E6867B434E}" srcOrd="0" destOrd="0" presId="urn:microsoft.com/office/officeart/2005/8/layout/lProcess2"/>
     <dgm:cxn modelId="{3AA8A2DC-66E9-4856-A450-38469E94E83B}" type="presOf" srcId="{64AB7760-CEF9-4D03-B83D-2DC6A7370CB2}" destId="{8A6C28D4-F9A7-4867-A93A-4EE5C50EF300}" srcOrd="0" destOrd="0" presId="urn:microsoft.com/office/officeart/2005/8/layout/lProcess2"/>
     <dgm:cxn modelId="{6A49FFE0-E019-4360-B8DB-9750FE762A7B}" srcId="{9DAC3B97-FE55-4CF4-8875-D796551D8B0F}" destId="{368D904C-4998-41F5-AF7C-B76475F4C9C6}" srcOrd="1" destOrd="0" parTransId="{B02E023B-EEDE-41C5-BB42-B1655E97025C}" sibTransId="{A920F8B9-3CE2-4534-92B5-6362B42F5661}"/>
-    <dgm:cxn modelId="{B8FB3FE9-4557-4383-A6CA-180DDD2B3B39}" srcId="{E8163AA6-CF22-453A-818C-CEB90BE77C45}" destId="{F9513AEA-E5D7-4538-B003-8E6C9AFAD2B9}" srcOrd="3" destOrd="0" parTransId="{81B16FB6-0028-4F32-A90B-3F7BE031F88D}" sibTransId="{88206251-0432-4B4A-9DE9-F3103ED49897}"/>
+    <dgm:cxn modelId="{B8FB3FE9-4557-4383-A6CA-180DDD2B3B39}" srcId="{E8163AA6-CF22-453A-818C-CEB90BE77C45}" destId="{F9513AEA-E5D7-4538-B003-8E6C9AFAD2B9}" srcOrd="4" destOrd="0" parTransId="{81B16FB6-0028-4F32-A90B-3F7BE031F88D}" sibTransId="{88206251-0432-4B4A-9DE9-F3103ED49897}"/>
     <dgm:cxn modelId="{96C1AEF0-165B-45F1-8E3E-149BCFC8B341}" type="presOf" srcId="{25578AE3-F386-4DB5-AA8F-5CB26AD1CAEE}" destId="{66D75D90-6802-4AAF-A7EE-97173B9188AC}" srcOrd="0" destOrd="0" presId="urn:microsoft.com/office/officeart/2005/8/layout/lProcess2"/>
     <dgm:cxn modelId="{C29B74F2-9309-4309-BB51-99E726BAB931}" type="presOf" srcId="{E88D2BE4-0369-4E9D-A60C-EAE652619AA0}" destId="{A8D95DD8-63E2-4551-ADAA-AB5EF93A080F}" srcOrd="1" destOrd="0" presId="urn:microsoft.com/office/officeart/2005/8/layout/lProcess2"/>
     <dgm:cxn modelId="{4694EAF2-49F6-4073-9A38-0DDA0860F05D}" srcId="{E88D2BE4-0369-4E9D-A60C-EAE652619AA0}" destId="{753DF83E-3F93-48E3-835F-F3132FE63E25}" srcOrd="0" destOrd="0" parTransId="{D40A8E3E-E166-4E1D-A922-009E3CA40AA0}" sibTransId="{0A49348E-E5EE-4FAB-860F-C622A066F43A}"/>
@@ -1937,9 +1993,11 @@
     <dgm:cxn modelId="{0E18CA75-BC9F-4AF3-891C-644E1FB60097}" type="presParOf" srcId="{68B8B57B-DBD3-404F-B1A1-B5A356EBB481}" destId="{6C20A6E4-946E-4C60-B7B0-CF799C861567}" srcOrd="1" destOrd="0" presId="urn:microsoft.com/office/officeart/2005/8/layout/lProcess2"/>
     <dgm:cxn modelId="{163EB3FE-DF2C-43D4-8ADF-9CCE6176B2F7}" type="presParOf" srcId="{68B8B57B-DBD3-404F-B1A1-B5A356EBB481}" destId="{6973120B-7FBD-42BC-BD38-BA1DF0C9D2A4}" srcOrd="2" destOrd="0" presId="urn:microsoft.com/office/officeart/2005/8/layout/lProcess2"/>
     <dgm:cxn modelId="{0370349B-04D7-466F-BE04-CF9DC7F58A46}" type="presParOf" srcId="{68B8B57B-DBD3-404F-B1A1-B5A356EBB481}" destId="{84041B43-40D6-4512-BCB0-3AEAFAA91F1D}" srcOrd="3" destOrd="0" presId="urn:microsoft.com/office/officeart/2005/8/layout/lProcess2"/>
-    <dgm:cxn modelId="{CC098137-D994-49B5-945E-4C2D3EAFCD89}" type="presParOf" srcId="{68B8B57B-DBD3-404F-B1A1-B5A356EBB481}" destId="{BB6C7B26-FB9B-4520-B45C-3365EB85159B}" srcOrd="4" destOrd="0" presId="urn:microsoft.com/office/officeart/2005/8/layout/lProcess2"/>
-    <dgm:cxn modelId="{4185E999-F33A-4DCB-9A3F-B63580AB0F1C}" type="presParOf" srcId="{68B8B57B-DBD3-404F-B1A1-B5A356EBB481}" destId="{AF59DA79-2315-4AA8-BBD7-017E6E13FA6F}" srcOrd="5" destOrd="0" presId="urn:microsoft.com/office/officeart/2005/8/layout/lProcess2"/>
-    <dgm:cxn modelId="{263728B1-91CE-4153-A11B-F26D45D5CB05}" type="presParOf" srcId="{68B8B57B-DBD3-404F-B1A1-B5A356EBB481}" destId="{73216E88-2EA0-4EC0-B7A9-A781B03B9821}" srcOrd="6" destOrd="0" presId="urn:microsoft.com/office/officeart/2005/8/layout/lProcess2"/>
+    <dgm:cxn modelId="{CFC62FF7-444C-44D2-B8AB-484FB93E5AAD}" type="presParOf" srcId="{68B8B57B-DBD3-404F-B1A1-B5A356EBB481}" destId="{D3CFA2D3-017B-496E-BA87-29E6867B434E}" srcOrd="4" destOrd="0" presId="urn:microsoft.com/office/officeart/2005/8/layout/lProcess2"/>
+    <dgm:cxn modelId="{576EAE3C-FD43-451D-AB84-D776719295B0}" type="presParOf" srcId="{68B8B57B-DBD3-404F-B1A1-B5A356EBB481}" destId="{8E54800E-E365-41F6-87E8-45D8FCCF8E3C}" srcOrd="5" destOrd="0" presId="urn:microsoft.com/office/officeart/2005/8/layout/lProcess2"/>
+    <dgm:cxn modelId="{CC098137-D994-49B5-945E-4C2D3EAFCD89}" type="presParOf" srcId="{68B8B57B-DBD3-404F-B1A1-B5A356EBB481}" destId="{BB6C7B26-FB9B-4520-B45C-3365EB85159B}" srcOrd="6" destOrd="0" presId="urn:microsoft.com/office/officeart/2005/8/layout/lProcess2"/>
+    <dgm:cxn modelId="{4185E999-F33A-4DCB-9A3F-B63580AB0F1C}" type="presParOf" srcId="{68B8B57B-DBD3-404F-B1A1-B5A356EBB481}" destId="{AF59DA79-2315-4AA8-BBD7-017E6E13FA6F}" srcOrd="7" destOrd="0" presId="urn:microsoft.com/office/officeart/2005/8/layout/lProcess2"/>
+    <dgm:cxn modelId="{263728B1-91CE-4153-A11B-F26D45D5CB05}" type="presParOf" srcId="{68B8B57B-DBD3-404F-B1A1-B5A356EBB481}" destId="{73216E88-2EA0-4EC0-B7A9-A781B03B9821}" srcOrd="8" destOrd="0" presId="urn:microsoft.com/office/officeart/2005/8/layout/lProcess2"/>
     <dgm:cxn modelId="{E592064F-0591-4308-8C8E-D560CA89BD7D}" type="presParOf" srcId="{9671A79F-1CE2-4014-B58C-784723A29CCA}" destId="{65DBF8A7-C54F-4F48-AEAA-F49CA573FC67}" srcOrd="1" destOrd="0" presId="urn:microsoft.com/office/officeart/2005/8/layout/lProcess2"/>
     <dgm:cxn modelId="{C2804B64-A910-4916-BEB4-7927E80BDF5C}" type="presParOf" srcId="{9671A79F-1CE2-4014-B58C-784723A29CCA}" destId="{C98AF71B-0814-44F4-B183-EC15E9A189FE}" srcOrd="2" destOrd="0" presId="urn:microsoft.com/office/officeart/2005/8/layout/lProcess2"/>
     <dgm:cxn modelId="{0F36074C-2422-46B6-9306-71F75704AC3D}" type="presParOf" srcId="{C98AF71B-0814-44F4-B183-EC15E9A189FE}" destId="{A1D18123-F59D-4D2E-8461-8217BCA4656A}" srcOrd="0" destOrd="0" presId="urn:microsoft.com/office/officeart/2005/8/layout/lProcess2"/>
@@ -2072,8 +2130,8 @@
       </dsp:nvSpPr>
       <dsp:spPr>
         <a:xfrm>
-          <a:off x="420125" y="2313443"/>
-          <a:ext cx="3612322" cy="1518874"/>
+          <a:off x="420125" y="2342325"/>
+          <a:ext cx="3612322" cy="827479"/>
         </a:xfrm>
         <a:prstGeom prst="roundRect">
           <a:avLst>
@@ -2193,8 +2251,8 @@
         </a:p>
       </dsp:txBody>
       <dsp:txXfrm>
-        <a:off x="464611" y="2357929"/>
-        <a:ext cx="3523350" cy="1429902"/>
+        <a:off x="444361" y="2366561"/>
+        <a:ext cx="3563850" cy="779007"/>
       </dsp:txXfrm>
     </dsp:sp>
     <dsp:sp modelId="{6973120B-7FBD-42BC-BD38-BA1DF0C9D2A4}">
@@ -2204,8 +2262,8 @@
       </dsp:nvSpPr>
       <dsp:spPr>
         <a:xfrm>
-          <a:off x="407173" y="4103602"/>
-          <a:ext cx="3638372" cy="1147714"/>
+          <a:off x="407173" y="3408446"/>
+          <a:ext cx="3638372" cy="1009613"/>
         </a:xfrm>
         <a:prstGeom prst="roundRect">
           <a:avLst>
@@ -2217,9 +2275,9 @@
             <a:gs pos="0">
               <a:schemeClr val="accent5">
                 <a:shade val="80000"/>
-                <a:hueOff val="22802"/>
-                <a:satOff val="-249"/>
-                <a:lumOff val="2842"/>
+                <a:hueOff val="20522"/>
+                <a:satOff val="-224"/>
+                <a:lumOff val="2558"/>
                 <a:alphaOff val="0"/>
                 <a:tint val="50000"/>
                 <a:satMod val="300000"/>
@@ -2228,9 +2286,9 @@
             <a:gs pos="35000">
               <a:schemeClr val="accent5">
                 <a:shade val="80000"/>
-                <a:hueOff val="22802"/>
-                <a:satOff val="-249"/>
-                <a:lumOff val="2842"/>
+                <a:hueOff val="20522"/>
+                <a:satOff val="-224"/>
+                <a:lumOff val="2558"/>
                 <a:alphaOff val="0"/>
                 <a:tint val="37000"/>
                 <a:satMod val="300000"/>
@@ -2239,9 +2297,9 @@
             <a:gs pos="100000">
               <a:schemeClr val="accent5">
                 <a:shade val="80000"/>
-                <a:hueOff val="22802"/>
-                <a:satOff val="-249"/>
-                <a:lumOff val="2842"/>
+                <a:hueOff val="20522"/>
+                <a:satOff val="-224"/>
+                <a:lumOff val="2558"/>
                 <a:alphaOff val="0"/>
                 <a:tint val="15000"/>
                 <a:satMod val="350000"/>
@@ -2283,12 +2341,12 @@
         </a:fontRef>
       </dsp:style>
       <dsp:txBody>
-        <a:bodyPr spcFirstLastPara="0" vert="horz" wrap="square" lIns="53340" tIns="40005" rIns="53340" bIns="40005" numCol="1" spcCol="1270" anchor="ctr" anchorCtr="0">
+        <a:bodyPr spcFirstLastPara="0" vert="horz" wrap="square" lIns="45720" tIns="34290" rIns="45720" bIns="34290" numCol="1" spcCol="1270" anchor="ctr" anchorCtr="0">
           <a:noAutofit/>
         </a:bodyPr>
         <a:lstStyle/>
         <a:p>
-          <a:pPr marL="0" lvl="0" indent="0" algn="ctr" defTabSz="933450">
+          <a:pPr marL="0" lvl="0" indent="0" algn="ctr" defTabSz="800100">
             <a:lnSpc>
               <a:spcPct val="90000"/>
             </a:lnSpc>
@@ -2301,12 +2359,12 @@
             <a:buNone/>
           </a:pPr>
           <a:r>
-            <a:rPr lang="en-IN" sz="2100" b="1" kern="1200" dirty="0"/>
-            <a:t>Cognitive Text Analytics Service</a:t>
+            <a:rPr lang="en-IN" sz="1800" b="1" kern="1200" dirty="0"/>
+            <a:t>Bing Spell Check API</a:t>
           </a:r>
         </a:p>
         <a:p>
-          <a:pPr marL="0" lvl="0" indent="0" algn="ctr" defTabSz="933450">
+          <a:pPr marL="0" lvl="0" indent="0" algn="ctr" defTabSz="800100">
             <a:lnSpc>
               <a:spcPct val="90000"/>
             </a:lnSpc>
@@ -2319,25 +2377,25 @@
             <a:buNone/>
           </a:pPr>
           <a:r>
-            <a:rPr lang="en-IN" sz="2100" kern="1200" dirty="0"/>
-            <a:t>(for hosting flask Web App)</a:t>
+            <a:rPr lang="en-IN" sz="1800" kern="1200" dirty="0"/>
+            <a:t>(for spelling correction and recommendation)</a:t>
           </a:r>
         </a:p>
       </dsp:txBody>
       <dsp:txXfrm>
-        <a:off x="440788" y="4137217"/>
-        <a:ext cx="3571142" cy="1080484"/>
+        <a:off x="436744" y="3438017"/>
+        <a:ext cx="3579230" cy="950471"/>
       </dsp:txXfrm>
     </dsp:sp>
-    <dsp:sp modelId="{BB6C7B26-FB9B-4520-B45C-3365EB85159B}">
+    <dsp:sp modelId="{D3CFA2D3-017B-496E-BA87-29E6867B434E}">
       <dsp:nvSpPr>
         <dsp:cNvPr id="0" name=""/>
         <dsp:cNvSpPr/>
       </dsp:nvSpPr>
       <dsp:spPr>
         <a:xfrm>
-          <a:off x="456545" y="5554507"/>
-          <a:ext cx="3638372" cy="1147714"/>
+          <a:off x="407173" y="4573384"/>
+          <a:ext cx="3638372" cy="1009613"/>
         </a:xfrm>
         <a:prstGeom prst="roundRect">
           <a:avLst>
@@ -2349,9 +2407,9 @@
             <a:gs pos="0">
               <a:schemeClr val="accent5">
                 <a:shade val="80000"/>
-                <a:hueOff val="45605"/>
-                <a:satOff val="-497"/>
-                <a:lumOff val="5684"/>
+                <a:hueOff val="41044"/>
+                <a:satOff val="-448"/>
+                <a:lumOff val="5116"/>
                 <a:alphaOff val="0"/>
                 <a:tint val="50000"/>
                 <a:satMod val="300000"/>
@@ -2360,9 +2418,9 @@
             <a:gs pos="35000">
               <a:schemeClr val="accent5">
                 <a:shade val="80000"/>
-                <a:hueOff val="45605"/>
-                <a:satOff val="-497"/>
-                <a:lumOff val="5684"/>
+                <a:hueOff val="41044"/>
+                <a:satOff val="-448"/>
+                <a:lumOff val="5116"/>
                 <a:alphaOff val="0"/>
                 <a:tint val="37000"/>
                 <a:satMod val="300000"/>
@@ -2371,9 +2429,9 @@
             <a:gs pos="100000">
               <a:schemeClr val="accent5">
                 <a:shade val="80000"/>
-                <a:hueOff val="45605"/>
-                <a:satOff val="-497"/>
-                <a:lumOff val="5684"/>
+                <a:hueOff val="41044"/>
+                <a:satOff val="-448"/>
+                <a:lumOff val="5116"/>
                 <a:alphaOff val="0"/>
                 <a:tint val="15000"/>
                 <a:satMod val="350000"/>
@@ -2415,12 +2473,12 @@
         </a:fontRef>
       </dsp:style>
       <dsp:txBody>
-        <a:bodyPr spcFirstLastPara="0" vert="horz" wrap="square" lIns="53340" tIns="40005" rIns="53340" bIns="40005" numCol="1" spcCol="1270" anchor="ctr" anchorCtr="0">
+        <a:bodyPr spcFirstLastPara="0" vert="horz" wrap="square" lIns="45720" tIns="34290" rIns="45720" bIns="34290" numCol="1" spcCol="1270" anchor="ctr" anchorCtr="0">
           <a:noAutofit/>
         </a:bodyPr>
         <a:lstStyle/>
         <a:p>
-          <a:pPr marL="0" lvl="0" indent="0" algn="ctr" defTabSz="933450">
+          <a:pPr marL="0" lvl="0" indent="0" algn="ctr" defTabSz="800100">
             <a:lnSpc>
               <a:spcPct val="90000"/>
             </a:lnSpc>
@@ -2433,12 +2491,12 @@
             <a:buNone/>
           </a:pPr>
           <a:r>
-            <a:rPr lang="en-IN" sz="2100" b="1" kern="1200" dirty="0"/>
-            <a:t>Cognitive Immersive Reader Service</a:t>
+            <a:rPr lang="en-IN" sz="1800" b="1" kern="1200" dirty="0"/>
+            <a:t>Cognitive Text Analytics Service</a:t>
           </a:r>
         </a:p>
         <a:p>
-          <a:pPr marL="0" lvl="0" indent="0" algn="ctr" defTabSz="933450">
+          <a:pPr marL="0" lvl="0" indent="0" algn="ctr" defTabSz="800100">
             <a:lnSpc>
               <a:spcPct val="90000"/>
             </a:lnSpc>
@@ -2451,25 +2509,25 @@
             <a:buNone/>
           </a:pPr>
           <a:r>
-            <a:rPr lang="en-IN" sz="2100" kern="1200" dirty="0"/>
+            <a:rPr lang="en-IN" sz="1800" kern="1200" dirty="0"/>
             <a:t>(for hosting flask Web App)</a:t>
           </a:r>
         </a:p>
       </dsp:txBody>
       <dsp:txXfrm>
-        <a:off x="490160" y="5588122"/>
-        <a:ext cx="3571142" cy="1080484"/>
+        <a:off x="436744" y="4602955"/>
+        <a:ext cx="3579230" cy="950471"/>
       </dsp:txXfrm>
     </dsp:sp>
-    <dsp:sp modelId="{73216E88-2EA0-4EC0-B7A9-A781B03B9821}">
+    <dsp:sp modelId="{BB6C7B26-FB9B-4520-B45C-3365EB85159B}">
       <dsp:nvSpPr>
         <dsp:cNvPr id="0" name=""/>
         <dsp:cNvSpPr/>
       </dsp:nvSpPr>
       <dsp:spPr>
         <a:xfrm>
-          <a:off x="456545" y="6878794"/>
-          <a:ext cx="3638372" cy="1147714"/>
+          <a:off x="456545" y="5849707"/>
+          <a:ext cx="3638372" cy="1009613"/>
         </a:xfrm>
         <a:prstGeom prst="roundRect">
           <a:avLst>
@@ -2481,9 +2539,9 @@
             <a:gs pos="0">
               <a:schemeClr val="accent5">
                 <a:shade val="80000"/>
-                <a:hueOff val="68407"/>
-                <a:satOff val="-746"/>
-                <a:lumOff val="8526"/>
+                <a:hueOff val="61566"/>
+                <a:satOff val="-671"/>
+                <a:lumOff val="7674"/>
                 <a:alphaOff val="0"/>
                 <a:tint val="50000"/>
                 <a:satMod val="300000"/>
@@ -2492,9 +2550,9 @@
             <a:gs pos="35000">
               <a:schemeClr val="accent5">
                 <a:shade val="80000"/>
-                <a:hueOff val="68407"/>
-                <a:satOff val="-746"/>
-                <a:lumOff val="8526"/>
+                <a:hueOff val="61566"/>
+                <a:satOff val="-671"/>
+                <a:lumOff val="7674"/>
                 <a:alphaOff val="0"/>
                 <a:tint val="37000"/>
                 <a:satMod val="300000"/>
@@ -2503,9 +2561,9 @@
             <a:gs pos="100000">
               <a:schemeClr val="accent5">
                 <a:shade val="80000"/>
-                <a:hueOff val="68407"/>
-                <a:satOff val="-746"/>
-                <a:lumOff val="8526"/>
+                <a:hueOff val="61566"/>
+                <a:satOff val="-671"/>
+                <a:lumOff val="7674"/>
                 <a:alphaOff val="0"/>
                 <a:tint val="15000"/>
                 <a:satMod val="350000"/>
@@ -2547,12 +2605,12 @@
         </a:fontRef>
       </dsp:style>
       <dsp:txBody>
-        <a:bodyPr spcFirstLastPara="0" vert="horz" wrap="square" lIns="53340" tIns="40005" rIns="53340" bIns="40005" numCol="1" spcCol="1270" anchor="ctr" anchorCtr="0">
+        <a:bodyPr spcFirstLastPara="0" vert="horz" wrap="square" lIns="45720" tIns="34290" rIns="45720" bIns="34290" numCol="1" spcCol="1270" anchor="ctr" anchorCtr="0">
           <a:noAutofit/>
         </a:bodyPr>
         <a:lstStyle/>
         <a:p>
-          <a:pPr marL="0" lvl="0" indent="0" algn="ctr" defTabSz="933450">
+          <a:pPr marL="0" lvl="0" indent="0" algn="ctr" defTabSz="800100">
             <a:lnSpc>
               <a:spcPct val="90000"/>
             </a:lnSpc>
@@ -2565,12 +2623,12 @@
             <a:buNone/>
           </a:pPr>
           <a:r>
-            <a:rPr lang="en-IN" sz="2100" b="1" kern="1200" dirty="0"/>
-            <a:t>Cognitive Speech Service</a:t>
+            <a:rPr lang="en-IN" sz="1800" b="1" kern="1200" dirty="0"/>
+            <a:t>Cognitive Immersive Reader Service</a:t>
           </a:r>
         </a:p>
         <a:p>
-          <a:pPr marL="0" lvl="0" indent="0" algn="ctr" defTabSz="933450">
+          <a:pPr marL="0" lvl="0" indent="0" algn="ctr" defTabSz="800100">
             <a:lnSpc>
               <a:spcPct val="90000"/>
             </a:lnSpc>
@@ -2583,14 +2641,146 @@
             <a:buNone/>
           </a:pPr>
           <a:r>
-            <a:rPr lang="en-IN" sz="2100" kern="1200" dirty="0"/>
+            <a:rPr lang="en-IN" sz="1800" kern="1200" dirty="0"/>
             <a:t>(for hosting flask Web App)</a:t>
           </a:r>
         </a:p>
       </dsp:txBody>
       <dsp:txXfrm>
-        <a:off x="490160" y="6912409"/>
-        <a:ext cx="3571142" cy="1080484"/>
+        <a:off x="486116" y="5879278"/>
+        <a:ext cx="3579230" cy="950471"/>
+      </dsp:txXfrm>
+    </dsp:sp>
+    <dsp:sp modelId="{73216E88-2EA0-4EC0-B7A9-A781B03B9821}">
+      <dsp:nvSpPr>
+        <dsp:cNvPr id="0" name=""/>
+        <dsp:cNvSpPr/>
+      </dsp:nvSpPr>
+      <dsp:spPr>
+        <a:xfrm>
+          <a:off x="456545" y="7014645"/>
+          <a:ext cx="3638372" cy="1009613"/>
+        </a:xfrm>
+        <a:prstGeom prst="roundRect">
+          <a:avLst>
+            <a:gd name="adj" fmla="val 10000"/>
+          </a:avLst>
+        </a:prstGeom>
+        <a:gradFill rotWithShape="0">
+          <a:gsLst>
+            <a:gs pos="0">
+              <a:schemeClr val="accent5">
+                <a:shade val="80000"/>
+                <a:hueOff val="82088"/>
+                <a:satOff val="-895"/>
+                <a:lumOff val="10232"/>
+                <a:alphaOff val="0"/>
+                <a:tint val="50000"/>
+                <a:satMod val="300000"/>
+              </a:schemeClr>
+            </a:gs>
+            <a:gs pos="35000">
+              <a:schemeClr val="accent5">
+                <a:shade val="80000"/>
+                <a:hueOff val="82088"/>
+                <a:satOff val="-895"/>
+                <a:lumOff val="10232"/>
+                <a:alphaOff val="0"/>
+                <a:tint val="37000"/>
+                <a:satMod val="300000"/>
+              </a:schemeClr>
+            </a:gs>
+            <a:gs pos="100000">
+              <a:schemeClr val="accent5">
+                <a:shade val="80000"/>
+                <a:hueOff val="82088"/>
+                <a:satOff val="-895"/>
+                <a:lumOff val="10232"/>
+                <a:alphaOff val="0"/>
+                <a:tint val="15000"/>
+                <a:satMod val="350000"/>
+              </a:schemeClr>
+            </a:gs>
+          </a:gsLst>
+          <a:lin ang="16200000" scaled="1"/>
+        </a:gradFill>
+        <a:ln>
+          <a:noFill/>
+        </a:ln>
+        <a:effectLst>
+          <a:outerShdw blurRad="40000" dist="20000" dir="5400000" rotWithShape="0">
+            <a:srgbClr val="000000">
+              <a:alpha val="38000"/>
+            </a:srgbClr>
+          </a:outerShdw>
+        </a:effectLst>
+        <a:scene3d>
+          <a:camera prst="orthographicFront"/>
+          <a:lightRig rig="flat" dir="t"/>
+        </a:scene3d>
+        <a:sp3d prstMaterial="dkEdge">
+          <a:bevelT w="8200" h="38100"/>
+        </a:sp3d>
+      </dsp:spPr>
+      <dsp:style>
+        <a:lnRef idx="0">
+          <a:scrgbClr r="0" g="0" b="0"/>
+        </a:lnRef>
+        <a:fillRef idx="2">
+          <a:scrgbClr r="0" g="0" b="0"/>
+        </a:fillRef>
+        <a:effectRef idx="1">
+          <a:scrgbClr r="0" g="0" b="0"/>
+        </a:effectRef>
+        <a:fontRef idx="minor">
+          <a:schemeClr val="dk1"/>
+        </a:fontRef>
+      </dsp:style>
+      <dsp:txBody>
+        <a:bodyPr spcFirstLastPara="0" vert="horz" wrap="square" lIns="45720" tIns="34290" rIns="45720" bIns="34290" numCol="1" spcCol="1270" anchor="ctr" anchorCtr="0">
+          <a:noAutofit/>
+        </a:bodyPr>
+        <a:lstStyle/>
+        <a:p>
+          <a:pPr marL="0" lvl="0" indent="0" algn="ctr" defTabSz="800100">
+            <a:lnSpc>
+              <a:spcPct val="90000"/>
+            </a:lnSpc>
+            <a:spcBef>
+              <a:spcPct val="0"/>
+            </a:spcBef>
+            <a:spcAft>
+              <a:spcPct val="35000"/>
+            </a:spcAft>
+            <a:buNone/>
+          </a:pPr>
+          <a:r>
+            <a:rPr lang="en-IN" sz="1800" b="1" kern="1200" dirty="0"/>
+            <a:t>Cognitive Speech Service</a:t>
+          </a:r>
+        </a:p>
+        <a:p>
+          <a:pPr marL="0" lvl="0" indent="0" algn="ctr" defTabSz="800100">
+            <a:lnSpc>
+              <a:spcPct val="90000"/>
+            </a:lnSpc>
+            <a:spcBef>
+              <a:spcPct val="0"/>
+            </a:spcBef>
+            <a:spcAft>
+              <a:spcPct val="35000"/>
+            </a:spcAft>
+            <a:buNone/>
+          </a:pPr>
+          <a:r>
+            <a:rPr lang="en-IN" sz="1800" kern="1200" dirty="0"/>
+            <a:t>(for hosting flask Web App)</a:t>
+          </a:r>
+        </a:p>
+      </dsp:txBody>
+      <dsp:txXfrm>
+        <a:off x="486116" y="7044216"/>
+        <a:ext cx="3579230" cy="950471"/>
       </dsp:txXfrm>
     </dsp:sp>
     <dsp:sp modelId="{A1D18123-F59D-4D2E-8461-8217BCA4656A}">
@@ -2694,9 +2884,9 @@
             <a:gs pos="0">
               <a:schemeClr val="accent5">
                 <a:shade val="80000"/>
-                <a:hueOff val="91209"/>
-                <a:satOff val="-995"/>
-                <a:lumOff val="11368"/>
+                <a:hueOff val="102610"/>
+                <a:satOff val="-1119"/>
+                <a:lumOff val="12789"/>
                 <a:alphaOff val="0"/>
                 <a:tint val="50000"/>
                 <a:satMod val="300000"/>
@@ -2705,9 +2895,9 @@
             <a:gs pos="35000">
               <a:schemeClr val="accent5">
                 <a:shade val="80000"/>
-                <a:hueOff val="91209"/>
-                <a:satOff val="-995"/>
-                <a:lumOff val="11368"/>
+                <a:hueOff val="102610"/>
+                <a:satOff val="-1119"/>
+                <a:lumOff val="12789"/>
                 <a:alphaOff val="0"/>
                 <a:tint val="37000"/>
                 <a:satMod val="300000"/>
@@ -2716,9 +2906,9 @@
             <a:gs pos="100000">
               <a:schemeClr val="accent5">
                 <a:shade val="80000"/>
-                <a:hueOff val="91209"/>
-                <a:satOff val="-995"/>
-                <a:lumOff val="11368"/>
+                <a:hueOff val="102610"/>
+                <a:satOff val="-1119"/>
+                <a:lumOff val="12789"/>
                 <a:alphaOff val="0"/>
                 <a:tint val="15000"/>
                 <a:satMod val="350000"/>
@@ -2827,9 +3017,9 @@
             <a:gs pos="0">
               <a:schemeClr val="accent5">
                 <a:shade val="80000"/>
-                <a:hueOff val="114012"/>
-                <a:satOff val="-1243"/>
-                <a:lumOff val="14211"/>
+                <a:hueOff val="123133"/>
+                <a:satOff val="-1343"/>
+                <a:lumOff val="15347"/>
                 <a:alphaOff val="0"/>
                 <a:tint val="50000"/>
                 <a:satMod val="300000"/>
@@ -2838,9 +3028,9 @@
             <a:gs pos="35000">
               <a:schemeClr val="accent5">
                 <a:shade val="80000"/>
-                <a:hueOff val="114012"/>
-                <a:satOff val="-1243"/>
-                <a:lumOff val="14211"/>
+                <a:hueOff val="123133"/>
+                <a:satOff val="-1343"/>
+                <a:lumOff val="15347"/>
                 <a:alphaOff val="0"/>
                 <a:tint val="37000"/>
                 <a:satMod val="300000"/>
@@ -2849,9 +3039,9 @@
             <a:gs pos="100000">
               <a:schemeClr val="accent5">
                 <a:shade val="80000"/>
-                <a:hueOff val="114012"/>
-                <a:satOff val="-1243"/>
-                <a:lumOff val="14211"/>
+                <a:hueOff val="123133"/>
+                <a:satOff val="-1343"/>
+                <a:lumOff val="15347"/>
                 <a:alphaOff val="0"/>
                 <a:tint val="15000"/>
                 <a:satMod val="350000"/>
@@ -2960,9 +3150,9 @@
             <a:gs pos="0">
               <a:schemeClr val="accent5">
                 <a:shade val="80000"/>
-                <a:hueOff val="136814"/>
-                <a:satOff val="-1492"/>
-                <a:lumOff val="17053"/>
+                <a:hueOff val="143655"/>
+                <a:satOff val="-1567"/>
+                <a:lumOff val="17905"/>
                 <a:alphaOff val="0"/>
                 <a:tint val="50000"/>
                 <a:satMod val="300000"/>
@@ -2971,9 +3161,9 @@
             <a:gs pos="35000">
               <a:schemeClr val="accent5">
                 <a:shade val="80000"/>
-                <a:hueOff val="136814"/>
-                <a:satOff val="-1492"/>
-                <a:lumOff val="17053"/>
+                <a:hueOff val="143655"/>
+                <a:satOff val="-1567"/>
+                <a:lumOff val="17905"/>
                 <a:alphaOff val="0"/>
                 <a:tint val="37000"/>
                 <a:satMod val="300000"/>
@@ -2982,9 +3172,9 @@
             <a:gs pos="100000">
               <a:schemeClr val="accent5">
                 <a:shade val="80000"/>
-                <a:hueOff val="136814"/>
-                <a:satOff val="-1492"/>
-                <a:lumOff val="17053"/>
+                <a:hueOff val="143655"/>
+                <a:satOff val="-1567"/>
+                <a:lumOff val="17905"/>
                 <a:alphaOff val="0"/>
                 <a:tint val="15000"/>
                 <a:satMod val="350000"/>
@@ -3172,9 +3362,9 @@
             <a:gs pos="0">
               <a:schemeClr val="accent5">
                 <a:shade val="80000"/>
-                <a:hueOff val="159616"/>
-                <a:satOff val="-1741"/>
-                <a:lumOff val="19895"/>
+                <a:hueOff val="164177"/>
+                <a:satOff val="-1790"/>
+                <a:lumOff val="20463"/>
                 <a:alphaOff val="0"/>
                 <a:tint val="50000"/>
                 <a:satMod val="300000"/>
@@ -3183,9 +3373,9 @@
             <a:gs pos="35000">
               <a:schemeClr val="accent5">
                 <a:shade val="80000"/>
-                <a:hueOff val="159616"/>
-                <a:satOff val="-1741"/>
-                <a:lumOff val="19895"/>
+                <a:hueOff val="164177"/>
+                <a:satOff val="-1790"/>
+                <a:lumOff val="20463"/>
                 <a:alphaOff val="0"/>
                 <a:tint val="37000"/>
                 <a:satMod val="300000"/>
@@ -3194,9 +3384,9 @@
             <a:gs pos="100000">
               <a:schemeClr val="accent5">
                 <a:shade val="80000"/>
-                <a:hueOff val="159616"/>
-                <a:satOff val="-1741"/>
-                <a:lumOff val="19895"/>
+                <a:hueOff val="164177"/>
+                <a:satOff val="-1790"/>
+                <a:lumOff val="20463"/>
                 <a:alphaOff val="0"/>
                 <a:tint val="15000"/>
                 <a:satMod val="350000"/>
@@ -3304,9 +3494,9 @@
             <a:gs pos="0">
               <a:schemeClr val="accent5">
                 <a:shade val="80000"/>
-                <a:hueOff val="182419"/>
-                <a:satOff val="-1989"/>
-                <a:lumOff val="22737"/>
+                <a:hueOff val="184699"/>
+                <a:satOff val="-2014"/>
+                <a:lumOff val="23021"/>
                 <a:alphaOff val="0"/>
                 <a:tint val="50000"/>
                 <a:satMod val="300000"/>
@@ -3315,9 +3505,9 @@
             <a:gs pos="35000">
               <a:schemeClr val="accent5">
                 <a:shade val="80000"/>
-                <a:hueOff val="182419"/>
-                <a:satOff val="-1989"/>
-                <a:lumOff val="22737"/>
+                <a:hueOff val="184699"/>
+                <a:satOff val="-2014"/>
+                <a:lumOff val="23021"/>
                 <a:alphaOff val="0"/>
                 <a:tint val="37000"/>
                 <a:satMod val="300000"/>
@@ -3326,9 +3516,9 @@
             <a:gs pos="100000">
               <a:schemeClr val="accent5">
                 <a:shade val="80000"/>
-                <a:hueOff val="182419"/>
-                <a:satOff val="-1989"/>
-                <a:lumOff val="22737"/>
+                <a:hueOff val="184699"/>
+                <a:satOff val="-2014"/>
+                <a:lumOff val="23021"/>
                 <a:alphaOff val="0"/>
                 <a:tint val="15000"/>
                 <a:satMod val="350000"/>
@@ -8751,7 +8941,9 @@
             <a:r>
               <a:rPr lang="en-IN" sz="2800" b="1" i="1" dirty="0">
                 <a:solidFill>
-                  <a:srgbClr val="C00000"/>
+                  <a:schemeClr val="accent6">
+                    <a:lumMod val="50000"/>
+                  </a:schemeClr>
                 </a:solidFill>
                 <a:latin typeface="Open Sans" panose="020B0606030504020204" pitchFamily="34" charset="0"/>
               </a:rPr>
@@ -8759,7 +8951,9 @@
             </a:r>
             <a:endParaRPr lang="en-IN" sz="2800" i="1" dirty="0">
               <a:solidFill>
-                <a:srgbClr val="C00000"/>
+                <a:schemeClr val="accent6">
+                  <a:lumMod val="50000"/>
+                </a:schemeClr>
               </a:solidFill>
             </a:endParaRPr>
           </a:p>
@@ -9045,7 +9239,7 @@
         </p:nvSpPr>
         <p:spPr>
           <a:xfrm>
-            <a:off x="2160340" y="7484898"/>
+            <a:off x="1782377" y="7536609"/>
             <a:ext cx="3168352" cy="1448534"/>
           </a:xfrm>
           <a:prstGeom prst="rect">
@@ -9084,12 +9278,122 @@
             <a:r>
               <a:rPr lang="en-IN" sz="2400" b="1" dirty="0">
                 <a:solidFill>
-                  <a:schemeClr val="accent5">
-                    <a:lumMod val="75000"/>
+                  <a:schemeClr val="tx1">
+                    <a:lumMod val="95000"/>
+                    <a:lumOff val="5000"/>
                   </a:schemeClr>
                 </a:solidFill>
               </a:rPr>
               <a:t>PROJECT CODE LINK</a:t>
+            </a:r>
+          </a:p>
+          <a:p>
+            <a:pPr algn="ctr"/>
+            <a:r>
+              <a:rPr lang="en-IN" sz="2400" b="1" dirty="0">
+                <a:solidFill>
+                  <a:srgbClr val="00B0F0"/>
+                </a:solidFill>
+                <a:hlinkClick r:id="rId3"/>
+              </a:rPr>
+              <a:t>(</a:t>
+            </a:r>
+            <a:r>
+              <a:rPr lang="en-IN" sz="2400" i="1" u="sng" dirty="0">
+                <a:solidFill>
+                  <a:srgbClr val="00B0F0"/>
+                </a:solidFill>
+                <a:hlinkClick r:id="rId3"/>
+              </a:rPr>
+              <a:t>Click</a:t>
+            </a:r>
+            <a:r>
+              <a:rPr lang="en-IN" sz="2400" b="1" dirty="0">
+                <a:solidFill>
+                  <a:srgbClr val="00B0F0"/>
+                </a:solidFill>
+                <a:hlinkClick r:id="rId3"/>
+              </a:rPr>
+              <a:t>)</a:t>
+            </a:r>
+            <a:endParaRPr lang="en-IN" sz="2400" b="1" dirty="0">
+              <a:solidFill>
+                <a:srgbClr val="00B0F0"/>
+              </a:solidFill>
+            </a:endParaRPr>
+          </a:p>
+        </p:txBody>
+      </p:sp>
+      <p:sp>
+        <p:nvSpPr>
+          <p:cNvPr id="24" name="Rectangle 23">
+            <a:extLst>
+              <a:ext uri="{FF2B5EF4-FFF2-40B4-BE49-F238E27FC236}">
+                <a16:creationId xmlns:a16="http://schemas.microsoft.com/office/drawing/2014/main" id="{7FFA92E1-10A0-45D2-AC46-D46668F29830}"/>
+              </a:ext>
+            </a:extLst>
+          </p:cNvPr>
+          <p:cNvSpPr/>
+          <p:nvPr/>
+        </p:nvSpPr>
+        <p:spPr>
+          <a:xfrm>
+            <a:off x="13681620" y="7536609"/>
+            <a:ext cx="3168352" cy="1448534"/>
+          </a:xfrm>
+          <a:prstGeom prst="rect">
+            <a:avLst/>
+          </a:prstGeom>
+          <a:noFill/>
+          <a:ln>
+            <a:solidFill>
+              <a:schemeClr val="tx2">
+                <a:lumMod val="50000"/>
+              </a:schemeClr>
+            </a:solidFill>
+          </a:ln>
+        </p:spPr>
+        <p:style>
+          <a:lnRef idx="2">
+            <a:schemeClr val="accent1">
+              <a:shade val="50000"/>
+            </a:schemeClr>
+          </a:lnRef>
+          <a:fillRef idx="1">
+            <a:schemeClr val="accent1"/>
+          </a:fillRef>
+          <a:effectRef idx="0">
+            <a:schemeClr val="accent1"/>
+          </a:effectRef>
+          <a:fontRef idx="minor">
+            <a:schemeClr val="lt1"/>
+          </a:fontRef>
+        </p:style>
+        <p:txBody>
+          <a:bodyPr rtlCol="0" anchor="ctr"/>
+          <a:lstStyle/>
+          <a:p>
+            <a:pPr algn="ctr"/>
+            <a:endParaRPr lang="en-IN" sz="2400" b="1" dirty="0">
+              <a:solidFill>
+                <a:schemeClr val="accent5">
+                  <a:lumMod val="75000"/>
+                </a:schemeClr>
+              </a:solidFill>
+            </a:endParaRPr>
+          </a:p>
+          <a:p>
+            <a:pPr algn="ctr"/>
+            <a:r>
+              <a:rPr lang="en-IN" sz="2400" b="1" dirty="0">
+                <a:solidFill>
+                  <a:schemeClr val="tx1">
+                    <a:lumMod val="95000"/>
+                    <a:lumOff val="5000"/>
+                  </a:schemeClr>
+                </a:solidFill>
+              </a:rPr>
+              <a:t>DEMO LINK</a:t>
             </a:r>
           </a:p>
           <a:p>
@@ -9127,114 +9431,6 @@
               </a:solidFill>
             </a:endParaRPr>
           </a:p>
-        </p:txBody>
-      </p:sp>
-      <p:sp>
-        <p:nvSpPr>
-          <p:cNvPr id="24" name="Rectangle 23">
-            <a:extLst>
-              <a:ext uri="{FF2B5EF4-FFF2-40B4-BE49-F238E27FC236}">
-                <a16:creationId xmlns:a16="http://schemas.microsoft.com/office/drawing/2014/main" id="{7FFA92E1-10A0-45D2-AC46-D46668F29830}"/>
-              </a:ext>
-            </a:extLst>
-          </p:cNvPr>
-          <p:cNvSpPr/>
-          <p:nvPr/>
-        </p:nvSpPr>
-        <p:spPr>
-          <a:xfrm>
-            <a:off x="11665396" y="7496245"/>
-            <a:ext cx="3168352" cy="1448534"/>
-          </a:xfrm>
-          <a:prstGeom prst="rect">
-            <a:avLst/>
-          </a:prstGeom>
-          <a:noFill/>
-          <a:ln>
-            <a:solidFill>
-              <a:schemeClr val="tx2">
-                <a:lumMod val="50000"/>
-              </a:schemeClr>
-            </a:solidFill>
-          </a:ln>
-        </p:spPr>
-        <p:style>
-          <a:lnRef idx="2">
-            <a:schemeClr val="accent1">
-              <a:shade val="50000"/>
-            </a:schemeClr>
-          </a:lnRef>
-          <a:fillRef idx="1">
-            <a:schemeClr val="accent1"/>
-          </a:fillRef>
-          <a:effectRef idx="0">
-            <a:schemeClr val="accent1"/>
-          </a:effectRef>
-          <a:fontRef idx="minor">
-            <a:schemeClr val="lt1"/>
-          </a:fontRef>
-        </p:style>
-        <p:txBody>
-          <a:bodyPr rtlCol="0" anchor="ctr"/>
-          <a:lstStyle/>
-          <a:p>
-            <a:pPr algn="ctr"/>
-            <a:endParaRPr lang="en-IN" sz="2400" b="1" dirty="0">
-              <a:solidFill>
-                <a:schemeClr val="accent5">
-                  <a:lumMod val="75000"/>
-                </a:schemeClr>
-              </a:solidFill>
-            </a:endParaRPr>
-          </a:p>
-          <a:p>
-            <a:pPr algn="ctr"/>
-            <a:r>
-              <a:rPr lang="en-IN" sz="2400" b="1" dirty="0">
-                <a:solidFill>
-                  <a:schemeClr val="accent5">
-                    <a:lumMod val="75000"/>
-                  </a:schemeClr>
-                </a:solidFill>
-              </a:rPr>
-              <a:t>DEMO LINK</a:t>
-            </a:r>
-          </a:p>
-          <a:p>
-            <a:pPr algn="ctr"/>
-            <a:r>
-              <a:rPr lang="en-IN" sz="2400" b="1" dirty="0">
-                <a:solidFill>
-                  <a:srgbClr val="00B0F0"/>
-                </a:solidFill>
-                <a:hlinkClick r:id="rId4"/>
-              </a:rPr>
-              <a:t>(</a:t>
-            </a:r>
-            <a:r>
-              <a:rPr lang="en-IN" sz="2400" i="1" u="sng" dirty="0">
-                <a:solidFill>
-                  <a:srgbClr val="00B0F0"/>
-                </a:solidFill>
-                <a:hlinkClick r:id="rId4"/>
-              </a:rPr>
-              <a:t>Click</a:t>
-            </a:r>
-            <a:r>
-              <a:rPr lang="en-IN" sz="2400" b="1" dirty="0">
-                <a:solidFill>
-                  <a:srgbClr val="00B0F0"/>
-                </a:solidFill>
-                <a:hlinkClick r:id="rId4"/>
-              </a:rPr>
-              <a:t>)</a:t>
-            </a:r>
-            <a:endParaRPr lang="en-IN" sz="2400" b="1" dirty="0">
-              <a:solidFill>
-                <a:srgbClr val="00B0F0"/>
-              </a:solidFill>
-            </a:endParaRPr>
-          </a:p>
           <a:p>
             <a:pPr algn="ctr"/>
             <a:endParaRPr lang="en-IN" sz="2400" b="1" dirty="0">
@@ -9261,7 +9457,7 @@
         </p:nvSpPr>
         <p:spPr>
           <a:xfrm>
-            <a:off x="11544640" y="4064178"/>
+            <a:off x="12432097" y="4116795"/>
             <a:ext cx="6578216" cy="3170099"/>
           </a:xfrm>
           <a:prstGeom prst="rect">
@@ -10651,7 +10847,7 @@
         <p:spPr>
           <a:xfrm>
             <a:off x="360139" y="1890316"/>
-            <a:ext cx="18290033" cy="6776214"/>
+            <a:ext cx="18290033" cy="7191712"/>
           </a:xfrm>
           <a:prstGeom prst="rect">
             <a:avLst/>
@@ -10837,7 +11033,7 @@
                   <a:srgbClr val="313638"/>
                 </a:solidFill>
               </a:rPr>
-              <a:t>Text Summarization of entire document for the quick </a:t>
+              <a:t>A topic will be given, and user has to speak within the time limits and then analysis report will be generated based on user </a:t>
             </a:r>
             <a:r>
               <a:rPr lang="en-US" sz="2700" b="1" dirty="0">
@@ -10845,7 +11041,7 @@
                   <a:srgbClr val="313638"/>
                 </a:solidFill>
               </a:rPr>
-              <a:t>Learning Ability </a:t>
+              <a:t>speaking ability</a:t>
             </a:r>
             <a:r>
               <a:rPr lang="en-US" sz="2700" dirty="0">
@@ -10853,7 +11049,7 @@
                   <a:srgbClr val="313638"/>
                 </a:solidFill>
               </a:rPr>
-              <a:t>using NLTK.</a:t>
+              <a:t> for the betterment in quality of Speech of Speaker.</a:t>
             </a:r>
           </a:p>
           <a:p>
@@ -11956,7 +12152,7 @@
         </p:nvSpPr>
         <p:spPr>
           <a:xfrm>
-            <a:off x="6435133" y="3976270"/>
+            <a:off x="6552380" y="4062192"/>
             <a:ext cx="2027282" cy="428259"/>
           </a:xfrm>
           <a:prstGeom prst="rect">
@@ -12036,7 +12232,7 @@
         </p:nvSpPr>
         <p:spPr>
           <a:xfrm>
-            <a:off x="9392299" y="3803965"/>
+            <a:off x="9524842" y="3818683"/>
             <a:ext cx="2027282" cy="668132"/>
           </a:xfrm>
           <a:prstGeom prst="rect">
@@ -12268,7 +12464,7 @@
         </p:nvSpPr>
         <p:spPr>
           <a:xfrm>
-            <a:off x="11559722" y="3988758"/>
+            <a:off x="11658009" y="4033179"/>
             <a:ext cx="2027282" cy="428259"/>
           </a:xfrm>
           <a:prstGeom prst="rect">
@@ -14279,7 +14475,7 @@
           <p:nvPr>
             <p:extLst>
               <p:ext uri="{D42A27DB-BD31-4B8C-83A1-F6EECF244321}">
-                <p14:modId xmlns:p14="http://schemas.microsoft.com/office/powerpoint/2010/main" val="3392295404"/>
+                <p14:modId xmlns:p14="http://schemas.microsoft.com/office/powerpoint/2010/main" val="968733052"/>
               </p:ext>
             </p:extLst>
           </p:nvPr>
